--- a/presentazione.pptx
+++ b/presentazione.pptx
@@ -8,6 +8,12 @@
     <p:sldId id="256" r:id="rId2"/>
     <p:sldId id="257" r:id="rId3"/>
     <p:sldId id="258" r:id="rId4"/>
+    <p:sldId id="259" r:id="rId5"/>
+    <p:sldId id="260" r:id="rId6"/>
+    <p:sldId id="262" r:id="rId7"/>
+    <p:sldId id="263" r:id="rId8"/>
+    <p:sldId id="264" r:id="rId9"/>
+    <p:sldId id="261" r:id="rId10"/>
   </p:sldIdLst>
   <p:sldSz cx="12192000" cy="6858000"/>
   <p:notesSz cx="6858000" cy="9144000"/>
@@ -106,6 +112,11 @@
       </a:defRPr>
     </a:lvl9pPr>
   </p:defaultTextStyle>
+  <p:extLst>
+    <p:ext uri="{EFAFB233-063F-42B5-8137-9DF3F51BA10A}">
+      <p15:sldGuideLst xmlns:p15="http://schemas.microsoft.com/office/powerpoint/2012/main"/>
+    </p:ext>
+  </p:extLst>
 </p:presentation>
 </file>
 
@@ -3616,15 +3627,7 @@
           <a:p>
             <a:r>
               <a:rPr lang="it-IT" dirty="0"/>
-              <a:t>UN APPLICAZIONE DI LUCA </a:t>
-            </a:r>
-            <a:r>
-              <a:rPr lang="it-IT" dirty="0" err="1"/>
-              <a:t>giovanni</a:t>
-            </a:r>
-            <a:r>
-              <a:rPr lang="it-IT" dirty="0"/>
-              <a:t> NASTASI, SIMONE VENEGONI, MARCO PICUNO E DANIELE CONSONNI</a:t>
+              <a:t>UN APPLICAZIONE DI LUCA Giovanni NASTASI, SIMONE VENEGONI, MARCO PICUNO E DANIELE CONSONNI</a:t>
             </a:r>
           </a:p>
         </p:txBody>
@@ -3846,19 +3849,20 @@
             <a:spLocks noGrp="1"/>
           </p:cNvSpPr>
           <p:nvPr>
-            <p:ph type="title"/>
-          </p:nvPr>
-        </p:nvSpPr>
-        <p:spPr>
-          <a:xfrm>
-            <a:off x="1451579" y="213970"/>
-            <a:ext cx="9603275" cy="587136"/>
+            <p:ph type="title" idx="4294967295"/>
+          </p:nvPr>
+        </p:nvSpPr>
+        <p:spPr>
+          <a:xfrm>
+            <a:off x="1" y="-34264"/>
+            <a:ext cx="12192000" cy="587375"/>
           </a:xfrm>
         </p:spPr>
         <p:txBody>
           <a:bodyPr/>
           <a:lstStyle/>
           <a:p>
+            <a:pPr algn="ctr"/>
             <a:r>
               <a:rPr lang="it-IT" dirty="0"/>
               <a:t>registrazione</a:t>
@@ -3879,13 +3883,13 @@
             <a:spLocks noGrp="1"/>
           </p:cNvSpPr>
           <p:nvPr>
-            <p:ph idx="1"/>
-          </p:nvPr>
-        </p:nvSpPr>
-        <p:spPr>
-          <a:xfrm>
-            <a:off x="1451579" y="885826"/>
-            <a:ext cx="9603275" cy="4580520"/>
+            <p:ph idx="4294967295"/>
+          </p:nvPr>
+        </p:nvSpPr>
+        <p:spPr>
+          <a:xfrm>
+            <a:off x="1" y="362044"/>
+            <a:ext cx="12192000" cy="473075"/>
           </a:xfrm>
         </p:spPr>
         <p:txBody>
@@ -3894,17 +3898,1353 @@
           <a:p>
             <a:r>
               <a:rPr lang="it-IT" dirty="0"/>
-              <a:t>Bastano poche informazioni per potersi registrare, </a:t>
-            </a:r>
+              <a:t>Bastano poche informazioni per potersi registrare.</a:t>
+            </a:r>
+          </a:p>
+        </p:txBody>
+      </p:sp>
+      <p:grpSp>
+        <p:nvGrpSpPr>
+          <p:cNvPr id="6" name="Gruppo 5">
+            <a:extLst>
+              <a:ext uri="{FF2B5EF4-FFF2-40B4-BE49-F238E27FC236}">
+                <a16:creationId xmlns:a16="http://schemas.microsoft.com/office/drawing/2014/main" id="{2A363401-4FEE-4B36-8F03-203CD34C9FA0}"/>
+              </a:ext>
+            </a:extLst>
+          </p:cNvPr>
+          <p:cNvGrpSpPr/>
+          <p:nvPr/>
+        </p:nvGrpSpPr>
+        <p:grpSpPr>
+          <a:xfrm>
+            <a:off x="1366514" y="949419"/>
+            <a:ext cx="8796662" cy="4455602"/>
+            <a:chOff x="904875" y="1050446"/>
+            <a:chExt cx="8796662" cy="4283554"/>
+          </a:xfrm>
+        </p:grpSpPr>
+        <p:pic>
+          <p:nvPicPr>
+            <p:cNvPr id="38" name="Immagine 37" descr="Immagine che contiene testo, monitor, screenshot&#10;&#10;Descrizione generata automaticamente">
+              <a:extLst>
+                <a:ext uri="{FF2B5EF4-FFF2-40B4-BE49-F238E27FC236}">
+                  <a16:creationId xmlns:a16="http://schemas.microsoft.com/office/drawing/2014/main" id="{74140C0F-AB11-4846-9E6B-3F54BA742702}"/>
+                </a:ext>
+              </a:extLst>
+            </p:cNvPr>
+            <p:cNvPicPr>
+              <a:picLocks noChangeAspect="1"/>
+            </p:cNvPicPr>
+            <p:nvPr/>
+          </p:nvPicPr>
+          <p:blipFill rotWithShape="1">
+            <a:blip r:embed="rId2"/>
+            <a:srcRect l="9910" r="9926"/>
+            <a:stretch/>
+          </p:blipFill>
+          <p:spPr>
+            <a:xfrm>
+              <a:off x="7419975" y="1050446"/>
+              <a:ext cx="2281562" cy="4283554"/>
+            </a:xfrm>
+            <a:prstGeom prst="rect">
+              <a:avLst/>
+            </a:prstGeom>
+            <a:ln w="38100">
+              <a:solidFill>
+                <a:schemeClr val="tx1"/>
+              </a:solidFill>
+            </a:ln>
+          </p:spPr>
+        </p:pic>
+        <p:pic>
+          <p:nvPicPr>
+            <p:cNvPr id="5" name="Immagine 4">
+              <a:extLst>
+                <a:ext uri="{FF2B5EF4-FFF2-40B4-BE49-F238E27FC236}">
+                  <a16:creationId xmlns:a16="http://schemas.microsoft.com/office/drawing/2014/main" id="{B191745F-357D-417C-B3B8-6947880AD3A1}"/>
+                </a:ext>
+              </a:extLst>
+            </p:cNvPr>
+            <p:cNvPicPr>
+              <a:picLocks noChangeAspect="1"/>
+            </p:cNvPicPr>
+            <p:nvPr/>
+          </p:nvPicPr>
+          <p:blipFill rotWithShape="1">
+            <a:blip r:embed="rId3"/>
+            <a:srcRect l="13428" r="14812" b="3137"/>
+            <a:stretch/>
+          </p:blipFill>
+          <p:spPr>
+            <a:xfrm>
+              <a:off x="904875" y="1050446"/>
+              <a:ext cx="6515100" cy="4283554"/>
+            </a:xfrm>
+            <a:prstGeom prst="rect">
+              <a:avLst/>
+            </a:prstGeom>
+            <a:ln w="38100">
+              <a:solidFill>
+                <a:schemeClr val="tx1"/>
+              </a:solidFill>
+            </a:ln>
+          </p:spPr>
+        </p:pic>
+      </p:grpSp>
+      <p:cxnSp>
+        <p:nvCxnSpPr>
+          <p:cNvPr id="8" name="Connettore 2 7">
+            <a:extLst>
+              <a:ext uri="{FF2B5EF4-FFF2-40B4-BE49-F238E27FC236}">
+                <a16:creationId xmlns:a16="http://schemas.microsoft.com/office/drawing/2014/main" id="{6F72E692-D71D-4EF3-AAD2-115107174728}"/>
+              </a:ext>
+            </a:extLst>
+          </p:cNvPr>
+          <p:cNvCxnSpPr>
+            <a:cxnSpLocks/>
+          </p:cNvCxnSpPr>
+          <p:nvPr/>
+        </p:nvCxnSpPr>
+        <p:spPr>
+          <a:xfrm flipH="1" flipV="1">
+            <a:off x="5317724" y="4314549"/>
+            <a:ext cx="195309" cy="301839"/>
+          </a:xfrm>
+          <a:prstGeom prst="straightConnector1">
+            <a:avLst/>
+          </a:prstGeom>
+          <a:ln w="57150">
+            <a:solidFill>
+              <a:schemeClr val="bg1"/>
+            </a:solidFill>
+            <a:tailEnd type="triangle"/>
+          </a:ln>
+        </p:spPr>
+        <p:style>
+          <a:lnRef idx="1">
+            <a:schemeClr val="dk1"/>
+          </a:lnRef>
+          <a:fillRef idx="0">
+            <a:schemeClr val="dk1"/>
+          </a:fillRef>
+          <a:effectRef idx="0">
+            <a:schemeClr val="dk1"/>
+          </a:effectRef>
+          <a:fontRef idx="minor">
+            <a:schemeClr val="tx1"/>
+          </a:fontRef>
+        </p:style>
+      </p:cxnSp>
+    </p:spTree>
+    <p:extLst>
+      <p:ext uri="{BB962C8B-B14F-4D97-AF65-F5344CB8AC3E}">
+        <p14:creationId xmlns:p14="http://schemas.microsoft.com/office/powerpoint/2010/main" val="661661227"/>
+      </p:ext>
+    </p:extLst>
+  </p:cSld>
+  <p:clrMapOvr>
+    <a:masterClrMapping/>
+  </p:clrMapOvr>
+</p:sld>
+</file>
+
+<file path=ppt/slides/slide4.xml><?xml version="1.0" encoding="utf-8"?>
+<p:sld xmlns:a="http://schemas.openxmlformats.org/drawingml/2006/main" xmlns:r="http://schemas.openxmlformats.org/officeDocument/2006/relationships" xmlns:p="http://schemas.openxmlformats.org/presentationml/2006/main">
+  <p:cSld>
+    <p:spTree>
+      <p:nvGrpSpPr>
+        <p:cNvPr id="1" name=""/>
+        <p:cNvGrpSpPr/>
+        <p:nvPr/>
+      </p:nvGrpSpPr>
+      <p:grpSpPr>
+        <a:xfrm>
+          <a:off x="0" y="0"/>
+          <a:ext cx="0" cy="0"/>
+          <a:chOff x="0" y="0"/>
+          <a:chExt cx="0" cy="0"/>
+        </a:xfrm>
+      </p:grpSpPr>
+      <p:sp>
+        <p:nvSpPr>
+          <p:cNvPr id="2" name="Titolo 1">
+            <a:extLst>
+              <a:ext uri="{FF2B5EF4-FFF2-40B4-BE49-F238E27FC236}">
+                <a16:creationId xmlns:a16="http://schemas.microsoft.com/office/drawing/2014/main" id="{246D5F09-4C09-4AED-AB11-55C8DA98B707}"/>
+              </a:ext>
+            </a:extLst>
+          </p:cNvPr>
+          <p:cNvSpPr>
+            <a:spLocks noGrp="1"/>
+          </p:cNvSpPr>
+          <p:nvPr>
+            <p:ph type="title" idx="4294967295"/>
+          </p:nvPr>
+        </p:nvSpPr>
+        <p:spPr>
+          <a:xfrm>
+            <a:off x="1" y="-34264"/>
+            <a:ext cx="12192000" cy="587375"/>
+          </a:xfrm>
+        </p:spPr>
+        <p:txBody>
+          <a:bodyPr/>
+          <a:lstStyle/>
+          <a:p>
+            <a:pPr algn="ctr"/>
+            <a:r>
+              <a:rPr lang="it-IT" dirty="0"/>
+              <a:t>Accesso</a:t>
+            </a:r>
+          </a:p>
+        </p:txBody>
+      </p:sp>
+      <p:sp>
+        <p:nvSpPr>
+          <p:cNvPr id="4" name="Segnaposto testo 3">
+            <a:extLst>
+              <a:ext uri="{FF2B5EF4-FFF2-40B4-BE49-F238E27FC236}">
+                <a16:creationId xmlns:a16="http://schemas.microsoft.com/office/drawing/2014/main" id="{5F69114F-461F-46B6-811A-D4B9A84ACACB}"/>
+              </a:ext>
+            </a:extLst>
+          </p:cNvPr>
+          <p:cNvSpPr>
+            <a:spLocks noGrp="1"/>
+          </p:cNvSpPr>
+          <p:nvPr>
+            <p:ph idx="4294967295"/>
+          </p:nvPr>
+        </p:nvSpPr>
+        <p:spPr>
+          <a:xfrm>
+            <a:off x="1" y="362044"/>
+            <a:ext cx="12192000" cy="473075"/>
+          </a:xfrm>
+        </p:spPr>
+        <p:txBody>
+          <a:bodyPr/>
+          <a:lstStyle/>
+          <a:p>
+            <a:r>
+              <a:rPr lang="it-IT" dirty="0"/>
+              <a:t>L’accesso tramite email e password.</a:t>
+            </a:r>
+          </a:p>
+        </p:txBody>
+      </p:sp>
+      <p:cxnSp>
+        <p:nvCxnSpPr>
+          <p:cNvPr id="8" name="Connettore 2 7">
+            <a:extLst>
+              <a:ext uri="{FF2B5EF4-FFF2-40B4-BE49-F238E27FC236}">
+                <a16:creationId xmlns:a16="http://schemas.microsoft.com/office/drawing/2014/main" id="{6F72E692-D71D-4EF3-AAD2-115107174728}"/>
+              </a:ext>
+            </a:extLst>
+          </p:cNvPr>
+          <p:cNvCxnSpPr>
+            <a:cxnSpLocks/>
+          </p:cNvCxnSpPr>
+          <p:nvPr/>
+        </p:nvCxnSpPr>
+        <p:spPr>
+          <a:xfrm flipH="1" flipV="1">
+            <a:off x="5317724" y="4314549"/>
+            <a:ext cx="195309" cy="301839"/>
+          </a:xfrm>
+          <a:prstGeom prst="straightConnector1">
+            <a:avLst/>
+          </a:prstGeom>
+          <a:ln w="57150">
+            <a:solidFill>
+              <a:schemeClr val="bg1"/>
+            </a:solidFill>
+            <a:tailEnd type="triangle"/>
+          </a:ln>
+        </p:spPr>
+        <p:style>
+          <a:lnRef idx="1">
+            <a:schemeClr val="dk1"/>
+          </a:lnRef>
+          <a:fillRef idx="0">
+            <a:schemeClr val="dk1"/>
+          </a:fillRef>
+          <a:effectRef idx="0">
+            <a:schemeClr val="dk1"/>
+          </a:effectRef>
+          <a:fontRef idx="minor">
+            <a:schemeClr val="tx1"/>
+          </a:fontRef>
+        </p:style>
+      </p:cxnSp>
+      <p:grpSp>
+        <p:nvGrpSpPr>
+          <p:cNvPr id="11" name="Gruppo 10">
+            <a:extLst>
+              <a:ext uri="{FF2B5EF4-FFF2-40B4-BE49-F238E27FC236}">
+                <a16:creationId xmlns:a16="http://schemas.microsoft.com/office/drawing/2014/main" id="{37BC7A0D-DF96-43A5-AEE1-F253C18D3E7D}"/>
+              </a:ext>
+            </a:extLst>
+          </p:cNvPr>
+          <p:cNvGrpSpPr/>
+          <p:nvPr/>
+        </p:nvGrpSpPr>
+        <p:grpSpPr>
+          <a:xfrm>
+            <a:off x="1045717" y="1029808"/>
+            <a:ext cx="9074827" cy="4485368"/>
+            <a:chOff x="1045717" y="1029808"/>
+            <a:chExt cx="9074827" cy="4485368"/>
+          </a:xfrm>
+        </p:grpSpPr>
+        <p:pic>
+          <p:nvPicPr>
+            <p:cNvPr id="7" name="Immagine 6">
+              <a:extLst>
+                <a:ext uri="{FF2B5EF4-FFF2-40B4-BE49-F238E27FC236}">
+                  <a16:creationId xmlns:a16="http://schemas.microsoft.com/office/drawing/2014/main" id="{B84A56E1-7509-494D-BF86-23239AD5C194}"/>
+                </a:ext>
+              </a:extLst>
+            </p:cNvPr>
+            <p:cNvPicPr>
+              <a:picLocks noChangeAspect="1"/>
+            </p:cNvPicPr>
+            <p:nvPr/>
+          </p:nvPicPr>
+          <p:blipFill>
+            <a:blip r:embed="rId2"/>
+            <a:stretch>
+              <a:fillRect/>
+            </a:stretch>
+          </p:blipFill>
+          <p:spPr>
+            <a:xfrm>
+              <a:off x="1045717" y="1029810"/>
+              <a:ext cx="6899798" cy="4485366"/>
+            </a:xfrm>
+            <a:prstGeom prst="rect">
+              <a:avLst/>
+            </a:prstGeom>
+            <a:ln w="28575">
+              <a:solidFill>
+                <a:schemeClr val="tx1"/>
+              </a:solidFill>
+            </a:ln>
+          </p:spPr>
+        </p:pic>
+        <p:pic>
+          <p:nvPicPr>
+            <p:cNvPr id="10" name="Immagine 9" descr="Immagine che contiene testo, screenshot, elettronico&#10;&#10;Descrizione generata automaticamente">
+              <a:extLst>
+                <a:ext uri="{FF2B5EF4-FFF2-40B4-BE49-F238E27FC236}">
+                  <a16:creationId xmlns:a16="http://schemas.microsoft.com/office/drawing/2014/main" id="{C87E078A-9C63-4F94-B215-29BB344A1EF9}"/>
+                </a:ext>
+              </a:extLst>
+            </p:cNvPr>
+            <p:cNvPicPr>
+              <a:picLocks noChangeAspect="1"/>
+            </p:cNvPicPr>
+            <p:nvPr/>
+          </p:nvPicPr>
+          <p:blipFill>
+            <a:blip r:embed="rId3"/>
+            <a:stretch>
+              <a:fillRect/>
+            </a:stretch>
+          </p:blipFill>
+          <p:spPr>
+            <a:xfrm>
+              <a:off x="7951434" y="1029808"/>
+              <a:ext cx="2169110" cy="4485367"/>
+            </a:xfrm>
+            <a:prstGeom prst="rect">
+              <a:avLst/>
+            </a:prstGeom>
+            <a:ln w="28575">
+              <a:solidFill>
+                <a:schemeClr val="tx1"/>
+              </a:solidFill>
+            </a:ln>
+          </p:spPr>
+        </p:pic>
+      </p:grpSp>
+    </p:spTree>
+    <p:extLst>
+      <p:ext uri="{BB962C8B-B14F-4D97-AF65-F5344CB8AC3E}">
+        <p14:creationId xmlns:p14="http://schemas.microsoft.com/office/powerpoint/2010/main" val="631139807"/>
+      </p:ext>
+    </p:extLst>
+  </p:cSld>
+  <p:clrMapOvr>
+    <a:masterClrMapping/>
+  </p:clrMapOvr>
+</p:sld>
+</file>
+
+<file path=ppt/slides/slide5.xml><?xml version="1.0" encoding="utf-8"?>
+<p:sld xmlns:a="http://schemas.openxmlformats.org/drawingml/2006/main" xmlns:r="http://schemas.openxmlformats.org/officeDocument/2006/relationships" xmlns:p="http://schemas.openxmlformats.org/presentationml/2006/main">
+  <p:cSld>
+    <p:spTree>
+      <p:nvGrpSpPr>
+        <p:cNvPr id="1" name=""/>
+        <p:cNvGrpSpPr/>
+        <p:nvPr/>
+      </p:nvGrpSpPr>
+      <p:grpSpPr>
+        <a:xfrm>
+          <a:off x="0" y="0"/>
+          <a:ext cx="0" cy="0"/>
+          <a:chOff x="0" y="0"/>
+          <a:chExt cx="0" cy="0"/>
+        </a:xfrm>
+      </p:grpSpPr>
+      <p:sp>
+        <p:nvSpPr>
+          <p:cNvPr id="2" name="Titolo 1">
+            <a:extLst>
+              <a:ext uri="{FF2B5EF4-FFF2-40B4-BE49-F238E27FC236}">
+                <a16:creationId xmlns:a16="http://schemas.microsoft.com/office/drawing/2014/main" id="{246D5F09-4C09-4AED-AB11-55C8DA98B707}"/>
+              </a:ext>
+            </a:extLst>
+          </p:cNvPr>
+          <p:cNvSpPr>
+            <a:spLocks noGrp="1"/>
+          </p:cNvSpPr>
+          <p:nvPr>
+            <p:ph type="title" idx="4294967295"/>
+          </p:nvPr>
+        </p:nvSpPr>
+        <p:spPr>
+          <a:xfrm>
+            <a:off x="1" y="-34264"/>
+            <a:ext cx="12192000" cy="587375"/>
+          </a:xfrm>
+        </p:spPr>
+        <p:txBody>
+          <a:bodyPr/>
+          <a:lstStyle/>
+          <a:p>
+            <a:pPr algn="ctr"/>
+            <a:r>
+              <a:rPr lang="it-IT" dirty="0"/>
+              <a:t>Prima pagina</a:t>
+            </a:r>
+          </a:p>
+        </p:txBody>
+      </p:sp>
+      <p:sp>
+        <p:nvSpPr>
+          <p:cNvPr id="4" name="Segnaposto testo 3">
+            <a:extLst>
+              <a:ext uri="{FF2B5EF4-FFF2-40B4-BE49-F238E27FC236}">
+                <a16:creationId xmlns:a16="http://schemas.microsoft.com/office/drawing/2014/main" id="{5F69114F-461F-46B6-811A-D4B9A84ACACB}"/>
+              </a:ext>
+            </a:extLst>
+          </p:cNvPr>
+          <p:cNvSpPr>
+            <a:spLocks noGrp="1"/>
+          </p:cNvSpPr>
+          <p:nvPr>
+            <p:ph idx="4294967295"/>
+          </p:nvPr>
+        </p:nvSpPr>
+        <p:spPr>
+          <a:xfrm>
+            <a:off x="1" y="362044"/>
+            <a:ext cx="12192000" cy="473075"/>
+          </a:xfrm>
+        </p:spPr>
+        <p:txBody>
+          <a:bodyPr>
+            <a:normAutofit fontScale="92500"/>
+          </a:bodyPr>
+          <a:lstStyle/>
+          <a:p>
+            <a:r>
+              <a:rPr lang="it-IT" dirty="0"/>
+              <a:t>La nostra homepage che mostra gli annunci dei venditori compresi dei loro riferimenti per poter finalizzare gli acquisti.</a:t>
+            </a:r>
+          </a:p>
+        </p:txBody>
+      </p:sp>
+      <p:cxnSp>
+        <p:nvCxnSpPr>
+          <p:cNvPr id="8" name="Connettore 2 7">
+            <a:extLst>
+              <a:ext uri="{FF2B5EF4-FFF2-40B4-BE49-F238E27FC236}">
+                <a16:creationId xmlns:a16="http://schemas.microsoft.com/office/drawing/2014/main" id="{6F72E692-D71D-4EF3-AAD2-115107174728}"/>
+              </a:ext>
+            </a:extLst>
+          </p:cNvPr>
+          <p:cNvCxnSpPr>
+            <a:cxnSpLocks/>
+          </p:cNvCxnSpPr>
+          <p:nvPr/>
+        </p:nvCxnSpPr>
+        <p:spPr>
+          <a:xfrm flipH="1" flipV="1">
+            <a:off x="5317724" y="4314549"/>
+            <a:ext cx="195309" cy="301839"/>
+          </a:xfrm>
+          <a:prstGeom prst="straightConnector1">
+            <a:avLst/>
+          </a:prstGeom>
+          <a:ln w="57150">
+            <a:solidFill>
+              <a:schemeClr val="bg1"/>
+            </a:solidFill>
+            <a:tailEnd type="triangle"/>
+          </a:ln>
+        </p:spPr>
+        <p:style>
+          <a:lnRef idx="1">
+            <a:schemeClr val="dk1"/>
+          </a:lnRef>
+          <a:fillRef idx="0">
+            <a:schemeClr val="dk1"/>
+          </a:fillRef>
+          <a:effectRef idx="0">
+            <a:schemeClr val="dk1"/>
+          </a:effectRef>
+          <a:fontRef idx="minor">
+            <a:schemeClr val="tx1"/>
+          </a:fontRef>
+        </p:style>
+      </p:cxnSp>
+      <p:grpSp>
+        <p:nvGrpSpPr>
+          <p:cNvPr id="10" name="Gruppo 9">
+            <a:extLst>
+              <a:ext uri="{FF2B5EF4-FFF2-40B4-BE49-F238E27FC236}">
+                <a16:creationId xmlns:a16="http://schemas.microsoft.com/office/drawing/2014/main" id="{DD2782E2-DB23-46A0-8956-8C91E0BCA63C}"/>
+              </a:ext>
+            </a:extLst>
+          </p:cNvPr>
+          <p:cNvGrpSpPr/>
+          <p:nvPr/>
+        </p:nvGrpSpPr>
+        <p:grpSpPr>
+          <a:xfrm>
+            <a:off x="1012054" y="1231427"/>
+            <a:ext cx="9543496" cy="4136477"/>
+            <a:chOff x="630314" y="1231426"/>
+            <a:chExt cx="9721050" cy="4136477"/>
+          </a:xfrm>
+        </p:grpSpPr>
+        <p:pic>
+          <p:nvPicPr>
+            <p:cNvPr id="5" name="Immagine 4">
+              <a:extLst>
+                <a:ext uri="{FF2B5EF4-FFF2-40B4-BE49-F238E27FC236}">
+                  <a16:creationId xmlns:a16="http://schemas.microsoft.com/office/drawing/2014/main" id="{FEA1DAD6-92B5-4F87-ABDD-DF70A88B8B6B}"/>
+                </a:ext>
+              </a:extLst>
+            </p:cNvPr>
+            <p:cNvPicPr>
+              <a:picLocks noChangeAspect="1"/>
+            </p:cNvPicPr>
+            <p:nvPr/>
+          </p:nvPicPr>
+          <p:blipFill>
+            <a:blip r:embed="rId2"/>
+            <a:stretch>
+              <a:fillRect/>
+            </a:stretch>
+          </p:blipFill>
+          <p:spPr>
+            <a:xfrm>
+              <a:off x="630314" y="1231426"/>
+              <a:ext cx="7572653" cy="4136477"/>
+            </a:xfrm>
+            <a:prstGeom prst="rect">
+              <a:avLst/>
+            </a:prstGeom>
+            <a:ln w="28575">
+              <a:solidFill>
+                <a:schemeClr val="tx1"/>
+              </a:solidFill>
+            </a:ln>
+          </p:spPr>
+        </p:pic>
+        <p:pic>
+          <p:nvPicPr>
+            <p:cNvPr id="9" name="Immagine 8" descr="Immagine che contiene testo, screenshot, monitor, telefono&#10;&#10;Descrizione generata automaticamente">
+              <a:extLst>
+                <a:ext uri="{FF2B5EF4-FFF2-40B4-BE49-F238E27FC236}">
+                  <a16:creationId xmlns:a16="http://schemas.microsoft.com/office/drawing/2014/main" id="{4E25884D-4267-4C4D-86A9-996F58ECEB85}"/>
+                </a:ext>
+              </a:extLst>
+            </p:cNvPr>
+            <p:cNvPicPr>
+              <a:picLocks noChangeAspect="1"/>
+            </p:cNvPicPr>
+            <p:nvPr/>
+          </p:nvPicPr>
+          <p:blipFill>
+            <a:blip r:embed="rId3"/>
+            <a:stretch>
+              <a:fillRect/>
+            </a:stretch>
+          </p:blipFill>
+          <p:spPr>
+            <a:xfrm>
+              <a:off x="8202968" y="1231426"/>
+              <a:ext cx="2148396" cy="4136477"/>
+            </a:xfrm>
+            <a:prstGeom prst="rect">
+              <a:avLst/>
+            </a:prstGeom>
+            <a:ln w="28575">
+              <a:solidFill>
+                <a:schemeClr val="tx1"/>
+              </a:solidFill>
+            </a:ln>
+          </p:spPr>
+        </p:pic>
+      </p:grpSp>
+    </p:spTree>
+    <p:extLst>
+      <p:ext uri="{BB962C8B-B14F-4D97-AF65-F5344CB8AC3E}">
+        <p14:creationId xmlns:p14="http://schemas.microsoft.com/office/powerpoint/2010/main" val="2640378718"/>
+      </p:ext>
+    </p:extLst>
+  </p:cSld>
+  <p:clrMapOvr>
+    <a:masterClrMapping/>
+  </p:clrMapOvr>
+</p:sld>
+</file>
+
+<file path=ppt/slides/slide6.xml><?xml version="1.0" encoding="utf-8"?>
+<p:sld xmlns:a="http://schemas.openxmlformats.org/drawingml/2006/main" xmlns:r="http://schemas.openxmlformats.org/officeDocument/2006/relationships" xmlns:p="http://schemas.openxmlformats.org/presentationml/2006/main">
+  <p:cSld>
+    <p:spTree>
+      <p:nvGrpSpPr>
+        <p:cNvPr id="1" name=""/>
+        <p:cNvGrpSpPr/>
+        <p:nvPr/>
+      </p:nvGrpSpPr>
+      <p:grpSpPr>
+        <a:xfrm>
+          <a:off x="0" y="0"/>
+          <a:ext cx="0" cy="0"/>
+          <a:chOff x="0" y="0"/>
+          <a:chExt cx="0" cy="0"/>
+        </a:xfrm>
+      </p:grpSpPr>
+      <p:sp>
+        <p:nvSpPr>
+          <p:cNvPr id="2" name="Titolo 1">
+            <a:extLst>
+              <a:ext uri="{FF2B5EF4-FFF2-40B4-BE49-F238E27FC236}">
+                <a16:creationId xmlns:a16="http://schemas.microsoft.com/office/drawing/2014/main" id="{246D5F09-4C09-4AED-AB11-55C8DA98B707}"/>
+              </a:ext>
+            </a:extLst>
+          </p:cNvPr>
+          <p:cNvSpPr>
+            <a:spLocks noGrp="1"/>
+          </p:cNvSpPr>
+          <p:nvPr>
+            <p:ph type="title" idx="4294967295"/>
+          </p:nvPr>
+        </p:nvSpPr>
+        <p:spPr>
+          <a:xfrm>
+            <a:off x="1" y="-34264"/>
+            <a:ext cx="12192000" cy="587375"/>
+          </a:xfrm>
+        </p:spPr>
+        <p:txBody>
+          <a:bodyPr/>
+          <a:lstStyle/>
+          <a:p>
+            <a:pPr algn="ctr"/>
+            <a:r>
+              <a:rPr lang="it-IT" dirty="0"/>
+              <a:t>Aggiungi annuncio</a:t>
+            </a:r>
+          </a:p>
+        </p:txBody>
+      </p:sp>
+      <p:sp>
+        <p:nvSpPr>
+          <p:cNvPr id="4" name="Segnaposto testo 3">
+            <a:extLst>
+              <a:ext uri="{FF2B5EF4-FFF2-40B4-BE49-F238E27FC236}">
+                <a16:creationId xmlns:a16="http://schemas.microsoft.com/office/drawing/2014/main" id="{5F69114F-461F-46B6-811A-D4B9A84ACACB}"/>
+              </a:ext>
+            </a:extLst>
+          </p:cNvPr>
+          <p:cNvSpPr>
+            <a:spLocks noGrp="1"/>
+          </p:cNvSpPr>
+          <p:nvPr>
+            <p:ph idx="4294967295"/>
+          </p:nvPr>
+        </p:nvSpPr>
+        <p:spPr>
+          <a:xfrm>
+            <a:off x="1" y="362044"/>
+            <a:ext cx="12192000" cy="473075"/>
+          </a:xfrm>
+        </p:spPr>
+        <p:txBody>
+          <a:bodyPr>
+            <a:normAutofit/>
+          </a:bodyPr>
+          <a:lstStyle/>
+          <a:p>
+            <a:r>
+              <a:rPr lang="it-IT" dirty="0"/>
+              <a:t>Il nostro </a:t>
+            </a:r>
+            <a:r>
+              <a:rPr lang="it-IT" dirty="0" err="1"/>
+              <a:t>form</a:t>
+            </a:r>
+            <a:r>
+              <a:rPr lang="it-IT" dirty="0"/>
+              <a:t> per poter aggiungere l’annuncio.</a:t>
+            </a:r>
+          </a:p>
+        </p:txBody>
+      </p:sp>
+      <p:grpSp>
+        <p:nvGrpSpPr>
+          <p:cNvPr id="15" name="Gruppo 14">
+            <a:extLst>
+              <a:ext uri="{FF2B5EF4-FFF2-40B4-BE49-F238E27FC236}">
+                <a16:creationId xmlns:a16="http://schemas.microsoft.com/office/drawing/2014/main" id="{3E72B2CB-834F-4A5B-AA11-BFB4A8385BD6}"/>
+              </a:ext>
+            </a:extLst>
+          </p:cNvPr>
+          <p:cNvGrpSpPr/>
+          <p:nvPr/>
+        </p:nvGrpSpPr>
+        <p:grpSpPr>
+          <a:xfrm>
+            <a:off x="902061" y="949419"/>
+            <a:ext cx="9965317" cy="4422681"/>
+            <a:chOff x="893183" y="949419"/>
+            <a:chExt cx="9965317" cy="4422681"/>
+          </a:xfrm>
+        </p:grpSpPr>
+        <p:pic>
+          <p:nvPicPr>
+            <p:cNvPr id="6" name="Immagine 5" descr="Immagine che contiene testo&#10;&#10;Descrizione generata automaticamente">
+              <a:extLst>
+                <a:ext uri="{FF2B5EF4-FFF2-40B4-BE49-F238E27FC236}">
+                  <a16:creationId xmlns:a16="http://schemas.microsoft.com/office/drawing/2014/main" id="{BE0032B2-B687-48AC-B1C3-6CD3A596C6A8}"/>
+                </a:ext>
+              </a:extLst>
+            </p:cNvPr>
+            <p:cNvPicPr>
+              <a:picLocks noChangeAspect="1"/>
+            </p:cNvPicPr>
+            <p:nvPr/>
+          </p:nvPicPr>
+          <p:blipFill>
+            <a:blip r:embed="rId2"/>
+            <a:stretch>
+              <a:fillRect/>
+            </a:stretch>
+          </p:blipFill>
+          <p:spPr>
+            <a:xfrm>
+              <a:off x="893183" y="949419"/>
+              <a:ext cx="3753845" cy="4422681"/>
+            </a:xfrm>
+            <a:prstGeom prst="rect">
+              <a:avLst/>
+            </a:prstGeom>
+            <a:ln w="28575">
+              <a:solidFill>
+                <a:schemeClr val="tx1"/>
+              </a:solidFill>
+            </a:ln>
+          </p:spPr>
+        </p:pic>
+        <p:pic>
+          <p:nvPicPr>
+            <p:cNvPr id="11" name="Immagine 10" descr="Immagine che contiene testo&#10;&#10;Descrizione generata automaticamente">
+              <a:extLst>
+                <a:ext uri="{FF2B5EF4-FFF2-40B4-BE49-F238E27FC236}">
+                  <a16:creationId xmlns:a16="http://schemas.microsoft.com/office/drawing/2014/main" id="{0D6E5334-585F-40E1-A41D-1D19591E5ECD}"/>
+                </a:ext>
+              </a:extLst>
+            </p:cNvPr>
+            <p:cNvPicPr>
+              <a:picLocks noChangeAspect="1"/>
+            </p:cNvPicPr>
+            <p:nvPr/>
+          </p:nvPicPr>
+          <p:blipFill>
+            <a:blip r:embed="rId3"/>
+            <a:stretch>
+              <a:fillRect/>
+            </a:stretch>
+          </p:blipFill>
+          <p:spPr>
+            <a:xfrm>
+              <a:off x="4647028" y="949419"/>
+              <a:ext cx="4049297" cy="4422681"/>
+            </a:xfrm>
+            <a:prstGeom prst="rect">
+              <a:avLst/>
+            </a:prstGeom>
+            <a:ln w="28575">
+              <a:solidFill>
+                <a:schemeClr val="tx1"/>
+              </a:solidFill>
+            </a:ln>
+          </p:spPr>
+        </p:pic>
+        <p:pic>
+          <p:nvPicPr>
+            <p:cNvPr id="14" name="Immagine 13" descr="Immagine che contiene testo, screenshot, monitor&#10;&#10;Descrizione generata automaticamente">
+              <a:extLst>
+                <a:ext uri="{FF2B5EF4-FFF2-40B4-BE49-F238E27FC236}">
+                  <a16:creationId xmlns:a16="http://schemas.microsoft.com/office/drawing/2014/main" id="{EDCF2C89-3DF7-4DFC-BD04-24982A27F532}"/>
+                </a:ext>
+              </a:extLst>
+            </p:cNvPr>
+            <p:cNvPicPr>
+              <a:picLocks noChangeAspect="1"/>
+            </p:cNvPicPr>
+            <p:nvPr/>
+          </p:nvPicPr>
+          <p:blipFill>
+            <a:blip r:embed="rId4"/>
+            <a:stretch>
+              <a:fillRect/>
+            </a:stretch>
+          </p:blipFill>
+          <p:spPr>
+            <a:xfrm>
+              <a:off x="8696325" y="949419"/>
+              <a:ext cx="2162175" cy="4422681"/>
+            </a:xfrm>
+            <a:prstGeom prst="rect">
+              <a:avLst/>
+            </a:prstGeom>
+            <a:ln w="28575">
+              <a:solidFill>
+                <a:schemeClr val="tx1"/>
+              </a:solidFill>
+            </a:ln>
+          </p:spPr>
+        </p:pic>
+      </p:grpSp>
+      <p:cxnSp>
+        <p:nvCxnSpPr>
+          <p:cNvPr id="12" name="Connettore 2 11">
+            <a:extLst>
+              <a:ext uri="{FF2B5EF4-FFF2-40B4-BE49-F238E27FC236}">
+                <a16:creationId xmlns:a16="http://schemas.microsoft.com/office/drawing/2014/main" id="{444A711E-2373-4806-88CF-CB55CDC0794F}"/>
+              </a:ext>
+            </a:extLst>
+          </p:cNvPr>
+          <p:cNvCxnSpPr>
+            <a:cxnSpLocks/>
+          </p:cNvCxnSpPr>
+          <p:nvPr/>
+        </p:nvCxnSpPr>
+        <p:spPr>
+          <a:xfrm flipH="1" flipV="1">
+            <a:off x="4372807" y="1080507"/>
+            <a:ext cx="195309" cy="301839"/>
+          </a:xfrm>
+          <a:prstGeom prst="straightConnector1">
+            <a:avLst/>
+          </a:prstGeom>
+          <a:ln w="57150">
+            <a:solidFill>
+              <a:schemeClr val="bg1"/>
+            </a:solidFill>
+            <a:tailEnd type="triangle"/>
+          </a:ln>
+        </p:spPr>
+        <p:style>
+          <a:lnRef idx="1">
+            <a:schemeClr val="dk1"/>
+          </a:lnRef>
+          <a:fillRef idx="0">
+            <a:schemeClr val="dk1"/>
+          </a:fillRef>
+          <a:effectRef idx="0">
+            <a:schemeClr val="dk1"/>
+          </a:effectRef>
+          <a:fontRef idx="minor">
+            <a:schemeClr val="tx1"/>
+          </a:fontRef>
+        </p:style>
+      </p:cxnSp>
+      <p:cxnSp>
+        <p:nvCxnSpPr>
+          <p:cNvPr id="16" name="Connettore 2 15">
+            <a:extLst>
+              <a:ext uri="{FF2B5EF4-FFF2-40B4-BE49-F238E27FC236}">
+                <a16:creationId xmlns:a16="http://schemas.microsoft.com/office/drawing/2014/main" id="{8AE8CB3D-8C24-478A-9BD8-066AA485982B}"/>
+              </a:ext>
+            </a:extLst>
+          </p:cNvPr>
+          <p:cNvCxnSpPr>
+            <a:cxnSpLocks/>
+          </p:cNvCxnSpPr>
+          <p:nvPr/>
+        </p:nvCxnSpPr>
+        <p:spPr>
+          <a:xfrm>
+            <a:off x="3477644" y="4296792"/>
+            <a:ext cx="0" cy="984333"/>
+          </a:xfrm>
+          <a:prstGeom prst="straightConnector1">
+            <a:avLst/>
+          </a:prstGeom>
+          <a:ln w="57150">
+            <a:solidFill>
+              <a:schemeClr val="bg1"/>
+            </a:solidFill>
+            <a:tailEnd type="triangle"/>
+          </a:ln>
+        </p:spPr>
+        <p:style>
+          <a:lnRef idx="1">
+            <a:schemeClr val="dk1"/>
+          </a:lnRef>
+          <a:fillRef idx="0">
+            <a:schemeClr val="dk1"/>
+          </a:fillRef>
+          <a:effectRef idx="0">
+            <a:schemeClr val="dk1"/>
+          </a:effectRef>
+          <a:fontRef idx="minor">
+            <a:schemeClr val="tx1"/>
+          </a:fontRef>
+        </p:style>
+      </p:cxnSp>
+    </p:spTree>
+    <p:extLst>
+      <p:ext uri="{BB962C8B-B14F-4D97-AF65-F5344CB8AC3E}">
+        <p14:creationId xmlns:p14="http://schemas.microsoft.com/office/powerpoint/2010/main" val="985760166"/>
+      </p:ext>
+    </p:extLst>
+  </p:cSld>
+  <p:clrMapOvr>
+    <a:masterClrMapping/>
+  </p:clrMapOvr>
+</p:sld>
+</file>
+
+<file path=ppt/slides/slide7.xml><?xml version="1.0" encoding="utf-8"?>
+<p:sld xmlns:a="http://schemas.openxmlformats.org/drawingml/2006/main" xmlns:r="http://schemas.openxmlformats.org/officeDocument/2006/relationships" xmlns:p="http://schemas.openxmlformats.org/presentationml/2006/main">
+  <p:cSld>
+    <p:spTree>
+      <p:nvGrpSpPr>
+        <p:cNvPr id="1" name=""/>
+        <p:cNvGrpSpPr/>
+        <p:nvPr/>
+      </p:nvGrpSpPr>
+      <p:grpSpPr>
+        <a:xfrm>
+          <a:off x="0" y="0"/>
+          <a:ext cx="0" cy="0"/>
+          <a:chOff x="0" y="0"/>
+          <a:chExt cx="0" cy="0"/>
+        </a:xfrm>
+      </p:grpSpPr>
+      <p:sp>
+        <p:nvSpPr>
+          <p:cNvPr id="2" name="Titolo 1">
+            <a:extLst>
+              <a:ext uri="{FF2B5EF4-FFF2-40B4-BE49-F238E27FC236}">
+                <a16:creationId xmlns:a16="http://schemas.microsoft.com/office/drawing/2014/main" id="{246D5F09-4C09-4AED-AB11-55C8DA98B707}"/>
+              </a:ext>
+            </a:extLst>
+          </p:cNvPr>
+          <p:cNvSpPr>
+            <a:spLocks noGrp="1"/>
+          </p:cNvSpPr>
+          <p:nvPr>
+            <p:ph type="title" idx="4294967295"/>
+          </p:nvPr>
+        </p:nvSpPr>
+        <p:spPr>
+          <a:xfrm>
+            <a:off x="1" y="-34264"/>
+            <a:ext cx="12192000" cy="587375"/>
+          </a:xfrm>
+        </p:spPr>
+        <p:txBody>
+          <a:bodyPr/>
+          <a:lstStyle/>
+          <a:p>
+            <a:pPr algn="ctr"/>
+            <a:r>
+              <a:rPr lang="it-IT" dirty="0"/>
+              <a:t>Profilo utente</a:t>
+            </a:r>
+          </a:p>
+        </p:txBody>
+      </p:sp>
+      <p:sp>
+        <p:nvSpPr>
+          <p:cNvPr id="4" name="Segnaposto testo 3">
+            <a:extLst>
+              <a:ext uri="{FF2B5EF4-FFF2-40B4-BE49-F238E27FC236}">
+                <a16:creationId xmlns:a16="http://schemas.microsoft.com/office/drawing/2014/main" id="{5F69114F-461F-46B6-811A-D4B9A84ACACB}"/>
+              </a:ext>
+            </a:extLst>
+          </p:cNvPr>
+          <p:cNvSpPr>
+            <a:spLocks noGrp="1"/>
+          </p:cNvSpPr>
+          <p:nvPr>
+            <p:ph idx="4294967295"/>
+          </p:nvPr>
+        </p:nvSpPr>
+        <p:spPr>
+          <a:xfrm>
+            <a:off x="1" y="362044"/>
+            <a:ext cx="12192000" cy="473075"/>
+          </a:xfrm>
+        </p:spPr>
+        <p:txBody>
+          <a:bodyPr>
+            <a:normAutofit/>
+          </a:bodyPr>
+          <a:lstStyle/>
+          <a:p>
+            <a:r>
+              <a:rPr lang="it-IT" dirty="0"/>
+              <a:t>La pagina dell’utente con le sue informazioni personali e i suoi annunci.</a:t>
+            </a:r>
+          </a:p>
+        </p:txBody>
+      </p:sp>
+      <p:grpSp>
+        <p:nvGrpSpPr>
+          <p:cNvPr id="9" name="Gruppo 8">
+            <a:extLst>
+              <a:ext uri="{FF2B5EF4-FFF2-40B4-BE49-F238E27FC236}">
+                <a16:creationId xmlns:a16="http://schemas.microsoft.com/office/drawing/2014/main" id="{466B4679-29A1-43A7-B376-0FF66AEFDEBA}"/>
+              </a:ext>
+            </a:extLst>
+          </p:cNvPr>
+          <p:cNvGrpSpPr/>
+          <p:nvPr/>
+        </p:nvGrpSpPr>
+        <p:grpSpPr>
+          <a:xfrm>
+            <a:off x="1597984" y="1160405"/>
+            <a:ext cx="9090734" cy="3979765"/>
+            <a:chOff x="1116920" y="1231427"/>
+            <a:chExt cx="9723679" cy="3589148"/>
+          </a:xfrm>
+        </p:grpSpPr>
+        <p:pic>
+          <p:nvPicPr>
+            <p:cNvPr id="5" name="Immagine 4">
+              <a:extLst>
+                <a:ext uri="{FF2B5EF4-FFF2-40B4-BE49-F238E27FC236}">
+                  <a16:creationId xmlns:a16="http://schemas.microsoft.com/office/drawing/2014/main" id="{6EF2619C-D708-4014-A36C-30941E06EBFB}"/>
+                </a:ext>
+              </a:extLst>
+            </p:cNvPr>
+            <p:cNvPicPr>
+              <a:picLocks noChangeAspect="1"/>
+            </p:cNvPicPr>
+            <p:nvPr/>
+          </p:nvPicPr>
+          <p:blipFill>
+            <a:blip r:embed="rId2"/>
+            <a:stretch>
+              <a:fillRect/>
+            </a:stretch>
+          </p:blipFill>
+          <p:spPr>
+            <a:xfrm>
+              <a:off x="1116920" y="1231427"/>
+              <a:ext cx="7423466" cy="3589148"/>
+            </a:xfrm>
+            <a:prstGeom prst="rect">
+              <a:avLst/>
+            </a:prstGeom>
+            <a:ln w="28575">
+              <a:solidFill>
+                <a:schemeClr val="tx1"/>
+              </a:solidFill>
+            </a:ln>
+          </p:spPr>
+        </p:pic>
+        <p:pic>
+          <p:nvPicPr>
+            <p:cNvPr id="8" name="Immagine 7" descr="Immagine che contiene testo, monitor, elettronico, schermo&#10;&#10;Descrizione generata automaticamente">
+              <a:extLst>
+                <a:ext uri="{FF2B5EF4-FFF2-40B4-BE49-F238E27FC236}">
+                  <a16:creationId xmlns:a16="http://schemas.microsoft.com/office/drawing/2014/main" id="{6D4FB535-62E5-40AC-970B-339E14382881}"/>
+                </a:ext>
+              </a:extLst>
+            </p:cNvPr>
+            <p:cNvPicPr>
+              <a:picLocks noChangeAspect="1"/>
+            </p:cNvPicPr>
+            <p:nvPr/>
+          </p:nvPicPr>
+          <p:blipFill rotWithShape="1">
+            <a:blip r:embed="rId3"/>
+            <a:srcRect l="6545" t="2724" r="5498" b="506"/>
+            <a:stretch/>
+          </p:blipFill>
+          <p:spPr>
+            <a:xfrm>
+              <a:off x="8540386" y="1231427"/>
+              <a:ext cx="2300213" cy="3589148"/>
+            </a:xfrm>
+            <a:prstGeom prst="rect">
+              <a:avLst/>
+            </a:prstGeom>
+            <a:ln w="28575">
+              <a:solidFill>
+                <a:schemeClr val="tx1"/>
+              </a:solidFill>
+            </a:ln>
+          </p:spPr>
+        </p:pic>
+      </p:grpSp>
+    </p:spTree>
+    <p:extLst>
+      <p:ext uri="{BB962C8B-B14F-4D97-AF65-F5344CB8AC3E}">
+        <p14:creationId xmlns:p14="http://schemas.microsoft.com/office/powerpoint/2010/main" val="3070766005"/>
+      </p:ext>
+    </p:extLst>
+  </p:cSld>
+  <p:clrMapOvr>
+    <a:masterClrMapping/>
+  </p:clrMapOvr>
+</p:sld>
+</file>
+
+<file path=ppt/slides/slide8.xml><?xml version="1.0" encoding="utf-8"?>
+<p:sld xmlns:a="http://schemas.openxmlformats.org/drawingml/2006/main" xmlns:r="http://schemas.openxmlformats.org/officeDocument/2006/relationships" xmlns:p="http://schemas.openxmlformats.org/presentationml/2006/main">
+  <p:cSld>
+    <p:spTree>
+      <p:nvGrpSpPr>
+        <p:cNvPr id="1" name=""/>
+        <p:cNvGrpSpPr/>
+        <p:nvPr/>
+      </p:nvGrpSpPr>
+      <p:grpSpPr>
+        <a:xfrm>
+          <a:off x="0" y="0"/>
+          <a:ext cx="0" cy="0"/>
+          <a:chOff x="0" y="0"/>
+          <a:chExt cx="0" cy="0"/>
+        </a:xfrm>
+      </p:grpSpPr>
+      <p:sp>
+        <p:nvSpPr>
+          <p:cNvPr id="2" name="Titolo 1">
+            <a:extLst>
+              <a:ext uri="{FF2B5EF4-FFF2-40B4-BE49-F238E27FC236}">
+                <a16:creationId xmlns:a16="http://schemas.microsoft.com/office/drawing/2014/main" id="{246D5F09-4C09-4AED-AB11-55C8DA98B707}"/>
+              </a:ext>
+            </a:extLst>
+          </p:cNvPr>
+          <p:cNvSpPr>
+            <a:spLocks noGrp="1"/>
+          </p:cNvSpPr>
+          <p:nvPr>
+            <p:ph type="title" idx="4294967295"/>
+          </p:nvPr>
+        </p:nvSpPr>
+        <p:spPr>
+          <a:xfrm>
+            <a:off x="1" y="-34264"/>
+            <a:ext cx="12192000" cy="587375"/>
+          </a:xfrm>
+        </p:spPr>
+        <p:txBody>
+          <a:bodyPr/>
+          <a:lstStyle/>
+          <a:p>
+            <a:pPr algn="ctr"/>
+            <a:r>
+              <a:rPr lang="it-IT" dirty="0"/>
+              <a:t>Pagina annuncio</a:t>
+            </a:r>
+          </a:p>
+        </p:txBody>
+      </p:sp>
+      <p:sp>
+        <p:nvSpPr>
+          <p:cNvPr id="4" name="Segnaposto testo 3">
+            <a:extLst>
+              <a:ext uri="{FF2B5EF4-FFF2-40B4-BE49-F238E27FC236}">
+                <a16:creationId xmlns:a16="http://schemas.microsoft.com/office/drawing/2014/main" id="{5F69114F-461F-46B6-811A-D4B9A84ACACB}"/>
+              </a:ext>
+            </a:extLst>
+          </p:cNvPr>
+          <p:cNvSpPr>
+            <a:spLocks noGrp="1"/>
+          </p:cNvSpPr>
+          <p:nvPr>
+            <p:ph idx="4294967295"/>
+          </p:nvPr>
+        </p:nvSpPr>
+        <p:spPr>
+          <a:xfrm>
+            <a:off x="1" y="362044"/>
+            <a:ext cx="12192000" cy="473075"/>
+          </a:xfrm>
+        </p:spPr>
+        <p:txBody>
+          <a:bodyPr>
+            <a:normAutofit/>
+          </a:bodyPr>
+          <a:lstStyle/>
+          <a:p>
+            <a:r>
+              <a:rPr lang="it-IT" dirty="0"/>
+              <a:t>La pagina relativa all’annuncio.</a:t>
+            </a:r>
+          </a:p>
+        </p:txBody>
+      </p:sp>
+    </p:spTree>
+    <p:extLst>
+      <p:ext uri="{BB962C8B-B14F-4D97-AF65-F5344CB8AC3E}">
+        <p14:creationId xmlns:p14="http://schemas.microsoft.com/office/powerpoint/2010/main" val="2423580715"/>
+      </p:ext>
+    </p:extLst>
+  </p:cSld>
+  <p:clrMapOvr>
+    <a:masterClrMapping/>
+  </p:clrMapOvr>
+</p:sld>
+</file>
+
+<file path=ppt/slides/slide9.xml><?xml version="1.0" encoding="utf-8"?>
+<p:sld xmlns:a="http://schemas.openxmlformats.org/drawingml/2006/main" xmlns:r="http://schemas.openxmlformats.org/officeDocument/2006/relationships" xmlns:p="http://schemas.openxmlformats.org/presentationml/2006/main">
+  <p:cSld>
+    <p:spTree>
+      <p:nvGrpSpPr>
+        <p:cNvPr id="1" name=""/>
+        <p:cNvGrpSpPr/>
+        <p:nvPr/>
+      </p:nvGrpSpPr>
+      <p:grpSpPr>
+        <a:xfrm>
+          <a:off x="0" y="0"/>
+          <a:ext cx="0" cy="0"/>
+          <a:chOff x="0" y="0"/>
+          <a:chExt cx="0" cy="0"/>
+        </a:xfrm>
+      </p:grpSpPr>
+      <p:sp>
+        <p:nvSpPr>
+          <p:cNvPr id="2" name="Titolo 1">
+            <a:extLst>
+              <a:ext uri="{FF2B5EF4-FFF2-40B4-BE49-F238E27FC236}">
+                <a16:creationId xmlns:a16="http://schemas.microsoft.com/office/drawing/2014/main" id="{246D5F09-4C09-4AED-AB11-55C8DA98B707}"/>
+              </a:ext>
+            </a:extLst>
+          </p:cNvPr>
+          <p:cNvSpPr>
+            <a:spLocks noGrp="1"/>
+          </p:cNvSpPr>
+          <p:nvPr>
+            <p:ph type="title" idx="4294967295"/>
+          </p:nvPr>
+        </p:nvSpPr>
+        <p:spPr>
+          <a:xfrm>
+            <a:off x="66675" y="257947"/>
+            <a:ext cx="12192000" cy="587375"/>
+          </a:xfrm>
+        </p:spPr>
+        <p:txBody>
+          <a:bodyPr/>
+          <a:lstStyle/>
+          <a:p>
+            <a:pPr algn="ctr"/>
+            <a:r>
+              <a:rPr lang="it-IT" dirty="0"/>
+              <a:t>Sviluppi futuri</a:t>
+            </a:r>
+          </a:p>
+        </p:txBody>
+      </p:sp>
+      <p:sp>
+        <p:nvSpPr>
+          <p:cNvPr id="4" name="Segnaposto testo 3">
+            <a:extLst>
+              <a:ext uri="{FF2B5EF4-FFF2-40B4-BE49-F238E27FC236}">
+                <a16:creationId xmlns:a16="http://schemas.microsoft.com/office/drawing/2014/main" id="{5F69114F-461F-46B6-811A-D4B9A84ACACB}"/>
+              </a:ext>
+            </a:extLst>
+          </p:cNvPr>
+          <p:cNvSpPr>
+            <a:spLocks noGrp="1"/>
+          </p:cNvSpPr>
+          <p:nvPr>
+            <p:ph idx="4294967295"/>
+          </p:nvPr>
+        </p:nvSpPr>
+        <p:spPr>
+          <a:xfrm>
+            <a:off x="154158" y="1006046"/>
+            <a:ext cx="6503817" cy="4013629"/>
+          </a:xfrm>
+        </p:spPr>
+        <p:txBody>
+          <a:bodyPr>
+            <a:normAutofit/>
+          </a:bodyPr>
+          <a:lstStyle/>
+          <a:p>
+            <a:r>
+              <a:rPr lang="it-IT" sz="2400" dirty="0"/>
+              <a:t>Nell’immediato futuro vorremmo implementare:</a:t>
+            </a:r>
+          </a:p>
+          <a:p>
+            <a:pPr lvl="1"/>
+            <a:r>
+              <a:rPr lang="it-IT" sz="2400" dirty="0"/>
+              <a:t>Una sezione filtri dove poter cercare gli annunci in base ai requisiti delle auto.  </a:t>
+            </a:r>
+          </a:p>
+          <a:p>
+            <a:pPr lvl="1"/>
+            <a:r>
+              <a:rPr lang="it-IT" sz="2400" dirty="0"/>
+              <a:t>Visualizzare gli annunci di una persona all’interno del corrispettivo profilo.</a:t>
+            </a:r>
+          </a:p>
+          <a:p>
+            <a:pPr lvl="1"/>
+            <a:r>
+              <a:rPr lang="it-IT" sz="2400" dirty="0"/>
+              <a:t>La possibilità di effettuare recensioni sui venditori</a:t>
+            </a:r>
+          </a:p>
+          <a:p>
+            <a:pPr lvl="1"/>
+            <a:endParaRPr lang="it-IT" sz="2400" dirty="0"/>
+          </a:p>
+          <a:p>
+            <a:pPr lvl="1"/>
+            <a:endParaRPr lang="it-IT" dirty="0"/>
           </a:p>
         </p:txBody>
       </p:sp>
       <p:pic>
         <p:nvPicPr>
-          <p:cNvPr id="38" name="Immagine 37" descr="Immagine che contiene testo, monitor, screenshot&#10;&#10;Descrizione generata automaticamente">
+          <p:cNvPr id="12" name="Immagine 11" descr="Immagine che contiene automobile&#10;&#10;Descrizione generata automaticamente">
             <a:extLst>
               <a:ext uri="{FF2B5EF4-FFF2-40B4-BE49-F238E27FC236}">
-                <a16:creationId xmlns:a16="http://schemas.microsoft.com/office/drawing/2014/main" id="{74140C0F-AB11-4846-9E6B-3F54BA742702}"/>
+                <a16:creationId xmlns:a16="http://schemas.microsoft.com/office/drawing/2014/main" id="{272EC164-7AF3-4279-B397-A8566B4DF81D}"/>
               </a:ext>
             </a:extLst>
           </p:cNvPr>
@@ -3921,8 +5261,8 @@
         </p:blipFill>
         <p:spPr>
           <a:xfrm>
-            <a:off x="9282904" y="801106"/>
-            <a:ext cx="2698343" cy="4580520"/>
+            <a:off x="6229350" y="1212849"/>
+            <a:ext cx="5566835" cy="3340101"/>
           </a:xfrm>
           <a:prstGeom prst="rect">
             <a:avLst/>
@@ -3932,7 +5272,7 @@
     </p:spTree>
     <p:extLst>
       <p:ext uri="{BB962C8B-B14F-4D97-AF65-F5344CB8AC3E}">
-        <p14:creationId xmlns:p14="http://schemas.microsoft.com/office/powerpoint/2010/main" val="661661227"/>
+        <p14:creationId xmlns:p14="http://schemas.microsoft.com/office/powerpoint/2010/main" val="2438833924"/>
       </p:ext>
     </p:extLst>
   </p:cSld>

--- a/presentazione.pptx
+++ b/presentazione.pptx
@@ -5111,6 +5111,147 @@
           </a:p>
         </p:txBody>
       </p:sp>
+      <p:grpSp>
+        <p:nvGrpSpPr>
+          <p:cNvPr id="13" name="Gruppo 12">
+            <a:extLst>
+              <a:ext uri="{FF2B5EF4-FFF2-40B4-BE49-F238E27FC236}">
+                <a16:creationId xmlns:a16="http://schemas.microsoft.com/office/drawing/2014/main" id="{04C22CB1-1D7F-4D1B-A380-990181FAAA20}"/>
+              </a:ext>
+            </a:extLst>
+          </p:cNvPr>
+          <p:cNvGrpSpPr/>
+          <p:nvPr/>
+        </p:nvGrpSpPr>
+        <p:grpSpPr>
+          <a:xfrm>
+            <a:off x="258937" y="825132"/>
+            <a:ext cx="11661491" cy="5118006"/>
+            <a:chOff x="258937" y="825132"/>
+            <a:chExt cx="11661491" cy="5118006"/>
+          </a:xfrm>
+        </p:grpSpPr>
+        <p:grpSp>
+          <p:nvGrpSpPr>
+            <p:cNvPr id="10" name="Gruppo 9">
+              <a:extLst>
+                <a:ext uri="{FF2B5EF4-FFF2-40B4-BE49-F238E27FC236}">
+                  <a16:creationId xmlns:a16="http://schemas.microsoft.com/office/drawing/2014/main" id="{1433E10B-736B-4BCA-86BF-3FAC10BB5076}"/>
+                </a:ext>
+              </a:extLst>
+            </p:cNvPr>
+            <p:cNvGrpSpPr/>
+            <p:nvPr/>
+          </p:nvGrpSpPr>
+          <p:grpSpPr>
+            <a:xfrm>
+              <a:off x="258937" y="825132"/>
+              <a:ext cx="5831946" cy="5118006"/>
+              <a:chOff x="152401" y="949419"/>
+              <a:chExt cx="5831946" cy="5118006"/>
+            </a:xfrm>
+          </p:grpSpPr>
+          <p:pic>
+            <p:nvPicPr>
+              <p:cNvPr id="5" name="Immagine 4" descr="Immagine che contiene testo, monitor, televisione, schermo&#10;&#10;Descrizione generata automaticamente">
+                <a:extLst>
+                  <a:ext uri="{FF2B5EF4-FFF2-40B4-BE49-F238E27FC236}">
+                    <a16:creationId xmlns:a16="http://schemas.microsoft.com/office/drawing/2014/main" id="{0DD5CF68-C72A-4A99-9885-151F3F10CB75}"/>
+                  </a:ext>
+                </a:extLst>
+              </p:cNvPr>
+              <p:cNvPicPr>
+                <a:picLocks noChangeAspect="1"/>
+              </p:cNvPicPr>
+              <p:nvPr/>
+            </p:nvPicPr>
+            <p:blipFill>
+              <a:blip r:embed="rId2"/>
+              <a:stretch>
+                <a:fillRect/>
+              </a:stretch>
+            </p:blipFill>
+            <p:spPr>
+              <a:xfrm>
+                <a:off x="152401" y="949419"/>
+                <a:ext cx="5831945" cy="3401828"/>
+              </a:xfrm>
+              <a:prstGeom prst="rect">
+                <a:avLst/>
+              </a:prstGeom>
+              <a:ln>
+                <a:noFill/>
+              </a:ln>
+            </p:spPr>
+          </p:pic>
+          <p:pic>
+            <p:nvPicPr>
+              <p:cNvPr id="9" name="Immagine 8">
+                <a:extLst>
+                  <a:ext uri="{FF2B5EF4-FFF2-40B4-BE49-F238E27FC236}">
+                    <a16:creationId xmlns:a16="http://schemas.microsoft.com/office/drawing/2014/main" id="{0206D872-CE86-469F-9CE2-2114DB84A791}"/>
+                  </a:ext>
+                </a:extLst>
+              </p:cNvPr>
+              <p:cNvPicPr>
+                <a:picLocks noChangeAspect="1"/>
+              </p:cNvPicPr>
+              <p:nvPr/>
+            </p:nvPicPr>
+            <p:blipFill>
+              <a:blip r:embed="rId3"/>
+              <a:stretch>
+                <a:fillRect/>
+              </a:stretch>
+            </p:blipFill>
+            <p:spPr>
+              <a:xfrm>
+                <a:off x="152401" y="4351247"/>
+                <a:ext cx="5831946" cy="1716178"/>
+              </a:xfrm>
+              <a:prstGeom prst="rect">
+                <a:avLst/>
+              </a:prstGeom>
+              <a:ln>
+                <a:noFill/>
+              </a:ln>
+            </p:spPr>
+          </p:pic>
+        </p:grpSp>
+        <p:pic>
+          <p:nvPicPr>
+            <p:cNvPr id="12" name="Immagine 11">
+              <a:extLst>
+                <a:ext uri="{FF2B5EF4-FFF2-40B4-BE49-F238E27FC236}">
+                  <a16:creationId xmlns:a16="http://schemas.microsoft.com/office/drawing/2014/main" id="{9C9222E1-6220-4A64-BEA7-410091FCBAF1}"/>
+                </a:ext>
+              </a:extLst>
+            </p:cNvPr>
+            <p:cNvPicPr>
+              <a:picLocks noChangeAspect="1"/>
+            </p:cNvPicPr>
+            <p:nvPr/>
+          </p:nvPicPr>
+          <p:blipFill>
+            <a:blip r:embed="rId4"/>
+            <a:stretch>
+              <a:fillRect/>
+            </a:stretch>
+          </p:blipFill>
+          <p:spPr>
+            <a:xfrm>
+              <a:off x="6083364" y="825132"/>
+              <a:ext cx="5837064" cy="2307725"/>
+            </a:xfrm>
+            <a:prstGeom prst="rect">
+              <a:avLst/>
+            </a:prstGeom>
+            <a:ln>
+              <a:noFill/>
+            </a:ln>
+          </p:spPr>
+        </p:pic>
+      </p:grpSp>
     </p:spTree>
     <p:extLst>
       <p:ext uri="{BB962C8B-B14F-4D97-AF65-F5344CB8AC3E}">

--- a/presentazione.pptx
+++ b/presentazione.pptx
@@ -8,6 +8,12 @@
     <p:sldId id="256" r:id="rId2"/>
     <p:sldId id="257" r:id="rId3"/>
     <p:sldId id="258" r:id="rId4"/>
+    <p:sldId id="259" r:id="rId5"/>
+    <p:sldId id="260" r:id="rId6"/>
+    <p:sldId id="262" r:id="rId7"/>
+    <p:sldId id="263" r:id="rId8"/>
+    <p:sldId id="264" r:id="rId9"/>
+    <p:sldId id="261" r:id="rId10"/>
   </p:sldIdLst>
   <p:sldSz cx="12192000" cy="6858000"/>
   <p:notesSz cx="6858000" cy="9144000"/>
@@ -106,6 +112,11 @@
       </a:defRPr>
     </a:lvl9pPr>
   </p:defaultTextStyle>
+  <p:extLst>
+    <p:ext uri="{EFAFB233-063F-42B5-8137-9DF3F51BA10A}">
+      <p15:sldGuideLst xmlns:p15="http://schemas.microsoft.com/office/powerpoint/2012/main"/>
+    </p:ext>
+  </p:extLst>
 </p:presentation>
 </file>
 
@@ -3616,15 +3627,7 @@
           <a:p>
             <a:r>
               <a:rPr lang="it-IT" dirty="0"/>
-              <a:t>UN APPLICAZIONE DI LUCA </a:t>
-            </a:r>
-            <a:r>
-              <a:rPr lang="it-IT" dirty="0" err="1"/>
-              <a:t>giovanni</a:t>
-            </a:r>
-            <a:r>
-              <a:rPr lang="it-IT" dirty="0"/>
-              <a:t> NASTASI, SIMONE VENEGONI, MARCO PICUNO E DANIELE CONSONNI</a:t>
+              <a:t>UN APPLICAZIONE DI LUCA Giovanni NASTASI, SIMONE VENEGONI, MARCO PICUNO E DANIELE CONSONNI</a:t>
             </a:r>
           </a:p>
         </p:txBody>
@@ -3846,19 +3849,20 @@
             <a:spLocks noGrp="1"/>
           </p:cNvSpPr>
           <p:nvPr>
-            <p:ph type="title"/>
-          </p:nvPr>
-        </p:nvSpPr>
-        <p:spPr>
-          <a:xfrm>
-            <a:off x="1451579" y="213970"/>
-            <a:ext cx="9603275" cy="587136"/>
+            <p:ph type="title" idx="4294967295"/>
+          </p:nvPr>
+        </p:nvSpPr>
+        <p:spPr>
+          <a:xfrm>
+            <a:off x="1" y="-34264"/>
+            <a:ext cx="12192000" cy="587375"/>
           </a:xfrm>
         </p:spPr>
         <p:txBody>
           <a:bodyPr/>
           <a:lstStyle/>
           <a:p>
+            <a:pPr algn="ctr"/>
             <a:r>
               <a:rPr lang="it-IT" dirty="0"/>
               <a:t>registrazione</a:t>
@@ -3879,13 +3883,13 @@
             <a:spLocks noGrp="1"/>
           </p:cNvSpPr>
           <p:nvPr>
-            <p:ph idx="1"/>
-          </p:nvPr>
-        </p:nvSpPr>
-        <p:spPr>
-          <a:xfrm>
-            <a:off x="1451579" y="885826"/>
-            <a:ext cx="9603275" cy="4580520"/>
+            <p:ph idx="4294967295"/>
+          </p:nvPr>
+        </p:nvSpPr>
+        <p:spPr>
+          <a:xfrm>
+            <a:off x="1" y="362044"/>
+            <a:ext cx="12192000" cy="473075"/>
           </a:xfrm>
         </p:spPr>
         <p:txBody>
@@ -3894,17 +3898,1494 @@
           <a:p>
             <a:r>
               <a:rPr lang="it-IT" dirty="0"/>
-              <a:t>Bastano poche informazioni per potersi registrare, </a:t>
-            </a:r>
+              <a:t>Bastano poche informazioni per potersi registrare.</a:t>
+            </a:r>
+          </a:p>
+        </p:txBody>
+      </p:sp>
+      <p:grpSp>
+        <p:nvGrpSpPr>
+          <p:cNvPr id="6" name="Gruppo 5">
+            <a:extLst>
+              <a:ext uri="{FF2B5EF4-FFF2-40B4-BE49-F238E27FC236}">
+                <a16:creationId xmlns:a16="http://schemas.microsoft.com/office/drawing/2014/main" id="{2A363401-4FEE-4B36-8F03-203CD34C9FA0}"/>
+              </a:ext>
+            </a:extLst>
+          </p:cNvPr>
+          <p:cNvGrpSpPr/>
+          <p:nvPr/>
+        </p:nvGrpSpPr>
+        <p:grpSpPr>
+          <a:xfrm>
+            <a:off x="1366514" y="949419"/>
+            <a:ext cx="8796662" cy="4455602"/>
+            <a:chOff x="904875" y="1050446"/>
+            <a:chExt cx="8796662" cy="4283554"/>
+          </a:xfrm>
+        </p:grpSpPr>
+        <p:pic>
+          <p:nvPicPr>
+            <p:cNvPr id="38" name="Immagine 37" descr="Immagine che contiene testo, monitor, screenshot&#10;&#10;Descrizione generata automaticamente">
+              <a:extLst>
+                <a:ext uri="{FF2B5EF4-FFF2-40B4-BE49-F238E27FC236}">
+                  <a16:creationId xmlns:a16="http://schemas.microsoft.com/office/drawing/2014/main" id="{74140C0F-AB11-4846-9E6B-3F54BA742702}"/>
+                </a:ext>
+              </a:extLst>
+            </p:cNvPr>
+            <p:cNvPicPr>
+              <a:picLocks noChangeAspect="1"/>
+            </p:cNvPicPr>
+            <p:nvPr/>
+          </p:nvPicPr>
+          <p:blipFill rotWithShape="1">
+            <a:blip r:embed="rId2"/>
+            <a:srcRect l="9910" r="9926"/>
+            <a:stretch/>
+          </p:blipFill>
+          <p:spPr>
+            <a:xfrm>
+              <a:off x="7419975" y="1050446"/>
+              <a:ext cx="2281562" cy="4283554"/>
+            </a:xfrm>
+            <a:prstGeom prst="rect">
+              <a:avLst/>
+            </a:prstGeom>
+            <a:ln w="38100">
+              <a:solidFill>
+                <a:schemeClr val="tx1"/>
+              </a:solidFill>
+            </a:ln>
+          </p:spPr>
+        </p:pic>
+        <p:pic>
+          <p:nvPicPr>
+            <p:cNvPr id="5" name="Immagine 4">
+              <a:extLst>
+                <a:ext uri="{FF2B5EF4-FFF2-40B4-BE49-F238E27FC236}">
+                  <a16:creationId xmlns:a16="http://schemas.microsoft.com/office/drawing/2014/main" id="{B191745F-357D-417C-B3B8-6947880AD3A1}"/>
+                </a:ext>
+              </a:extLst>
+            </p:cNvPr>
+            <p:cNvPicPr>
+              <a:picLocks noChangeAspect="1"/>
+            </p:cNvPicPr>
+            <p:nvPr/>
+          </p:nvPicPr>
+          <p:blipFill rotWithShape="1">
+            <a:blip r:embed="rId3"/>
+            <a:srcRect l="13428" r="14812" b="3137"/>
+            <a:stretch/>
+          </p:blipFill>
+          <p:spPr>
+            <a:xfrm>
+              <a:off x="904875" y="1050446"/>
+              <a:ext cx="6515100" cy="4283554"/>
+            </a:xfrm>
+            <a:prstGeom prst="rect">
+              <a:avLst/>
+            </a:prstGeom>
+            <a:ln w="38100">
+              <a:solidFill>
+                <a:schemeClr val="tx1"/>
+              </a:solidFill>
+            </a:ln>
+          </p:spPr>
+        </p:pic>
+      </p:grpSp>
+      <p:cxnSp>
+        <p:nvCxnSpPr>
+          <p:cNvPr id="8" name="Connettore 2 7">
+            <a:extLst>
+              <a:ext uri="{FF2B5EF4-FFF2-40B4-BE49-F238E27FC236}">
+                <a16:creationId xmlns:a16="http://schemas.microsoft.com/office/drawing/2014/main" id="{6F72E692-D71D-4EF3-AAD2-115107174728}"/>
+              </a:ext>
+            </a:extLst>
+          </p:cNvPr>
+          <p:cNvCxnSpPr>
+            <a:cxnSpLocks/>
+          </p:cNvCxnSpPr>
+          <p:nvPr/>
+        </p:nvCxnSpPr>
+        <p:spPr>
+          <a:xfrm flipH="1" flipV="1">
+            <a:off x="5317724" y="4314549"/>
+            <a:ext cx="195309" cy="301839"/>
+          </a:xfrm>
+          <a:prstGeom prst="straightConnector1">
+            <a:avLst/>
+          </a:prstGeom>
+          <a:ln w="57150">
+            <a:solidFill>
+              <a:schemeClr val="bg1"/>
+            </a:solidFill>
+            <a:tailEnd type="triangle"/>
+          </a:ln>
+        </p:spPr>
+        <p:style>
+          <a:lnRef idx="1">
+            <a:schemeClr val="dk1"/>
+          </a:lnRef>
+          <a:fillRef idx="0">
+            <a:schemeClr val="dk1"/>
+          </a:fillRef>
+          <a:effectRef idx="0">
+            <a:schemeClr val="dk1"/>
+          </a:effectRef>
+          <a:fontRef idx="minor">
+            <a:schemeClr val="tx1"/>
+          </a:fontRef>
+        </p:style>
+      </p:cxnSp>
+    </p:spTree>
+    <p:extLst>
+      <p:ext uri="{BB962C8B-B14F-4D97-AF65-F5344CB8AC3E}">
+        <p14:creationId xmlns:p14="http://schemas.microsoft.com/office/powerpoint/2010/main" val="661661227"/>
+      </p:ext>
+    </p:extLst>
+  </p:cSld>
+  <p:clrMapOvr>
+    <a:masterClrMapping/>
+  </p:clrMapOvr>
+</p:sld>
+</file>
+
+<file path=ppt/slides/slide4.xml><?xml version="1.0" encoding="utf-8"?>
+<p:sld xmlns:a="http://schemas.openxmlformats.org/drawingml/2006/main" xmlns:r="http://schemas.openxmlformats.org/officeDocument/2006/relationships" xmlns:p="http://schemas.openxmlformats.org/presentationml/2006/main">
+  <p:cSld>
+    <p:spTree>
+      <p:nvGrpSpPr>
+        <p:cNvPr id="1" name=""/>
+        <p:cNvGrpSpPr/>
+        <p:nvPr/>
+      </p:nvGrpSpPr>
+      <p:grpSpPr>
+        <a:xfrm>
+          <a:off x="0" y="0"/>
+          <a:ext cx="0" cy="0"/>
+          <a:chOff x="0" y="0"/>
+          <a:chExt cx="0" cy="0"/>
+        </a:xfrm>
+      </p:grpSpPr>
+      <p:sp>
+        <p:nvSpPr>
+          <p:cNvPr id="2" name="Titolo 1">
+            <a:extLst>
+              <a:ext uri="{FF2B5EF4-FFF2-40B4-BE49-F238E27FC236}">
+                <a16:creationId xmlns:a16="http://schemas.microsoft.com/office/drawing/2014/main" id="{246D5F09-4C09-4AED-AB11-55C8DA98B707}"/>
+              </a:ext>
+            </a:extLst>
+          </p:cNvPr>
+          <p:cNvSpPr>
+            <a:spLocks noGrp="1"/>
+          </p:cNvSpPr>
+          <p:nvPr>
+            <p:ph type="title" idx="4294967295"/>
+          </p:nvPr>
+        </p:nvSpPr>
+        <p:spPr>
+          <a:xfrm>
+            <a:off x="1" y="-34264"/>
+            <a:ext cx="12192000" cy="587375"/>
+          </a:xfrm>
+        </p:spPr>
+        <p:txBody>
+          <a:bodyPr/>
+          <a:lstStyle/>
+          <a:p>
+            <a:pPr algn="ctr"/>
+            <a:r>
+              <a:rPr lang="it-IT" dirty="0"/>
+              <a:t>Accesso</a:t>
+            </a:r>
+          </a:p>
+        </p:txBody>
+      </p:sp>
+      <p:sp>
+        <p:nvSpPr>
+          <p:cNvPr id="4" name="Segnaposto testo 3">
+            <a:extLst>
+              <a:ext uri="{FF2B5EF4-FFF2-40B4-BE49-F238E27FC236}">
+                <a16:creationId xmlns:a16="http://schemas.microsoft.com/office/drawing/2014/main" id="{5F69114F-461F-46B6-811A-D4B9A84ACACB}"/>
+              </a:ext>
+            </a:extLst>
+          </p:cNvPr>
+          <p:cNvSpPr>
+            <a:spLocks noGrp="1"/>
+          </p:cNvSpPr>
+          <p:nvPr>
+            <p:ph idx="4294967295"/>
+          </p:nvPr>
+        </p:nvSpPr>
+        <p:spPr>
+          <a:xfrm>
+            <a:off x="1" y="362044"/>
+            <a:ext cx="12192000" cy="473075"/>
+          </a:xfrm>
+        </p:spPr>
+        <p:txBody>
+          <a:bodyPr/>
+          <a:lstStyle/>
+          <a:p>
+            <a:r>
+              <a:rPr lang="it-IT" dirty="0"/>
+              <a:t>L’accesso tramite email e password.</a:t>
+            </a:r>
+          </a:p>
+        </p:txBody>
+      </p:sp>
+      <p:cxnSp>
+        <p:nvCxnSpPr>
+          <p:cNvPr id="8" name="Connettore 2 7">
+            <a:extLst>
+              <a:ext uri="{FF2B5EF4-FFF2-40B4-BE49-F238E27FC236}">
+                <a16:creationId xmlns:a16="http://schemas.microsoft.com/office/drawing/2014/main" id="{6F72E692-D71D-4EF3-AAD2-115107174728}"/>
+              </a:ext>
+            </a:extLst>
+          </p:cNvPr>
+          <p:cNvCxnSpPr>
+            <a:cxnSpLocks/>
+          </p:cNvCxnSpPr>
+          <p:nvPr/>
+        </p:nvCxnSpPr>
+        <p:spPr>
+          <a:xfrm flipH="1" flipV="1">
+            <a:off x="5317724" y="4314549"/>
+            <a:ext cx="195309" cy="301839"/>
+          </a:xfrm>
+          <a:prstGeom prst="straightConnector1">
+            <a:avLst/>
+          </a:prstGeom>
+          <a:ln w="57150">
+            <a:solidFill>
+              <a:schemeClr val="bg1"/>
+            </a:solidFill>
+            <a:tailEnd type="triangle"/>
+          </a:ln>
+        </p:spPr>
+        <p:style>
+          <a:lnRef idx="1">
+            <a:schemeClr val="dk1"/>
+          </a:lnRef>
+          <a:fillRef idx="0">
+            <a:schemeClr val="dk1"/>
+          </a:fillRef>
+          <a:effectRef idx="0">
+            <a:schemeClr val="dk1"/>
+          </a:effectRef>
+          <a:fontRef idx="minor">
+            <a:schemeClr val="tx1"/>
+          </a:fontRef>
+        </p:style>
+      </p:cxnSp>
+      <p:grpSp>
+        <p:nvGrpSpPr>
+          <p:cNvPr id="11" name="Gruppo 10">
+            <a:extLst>
+              <a:ext uri="{FF2B5EF4-FFF2-40B4-BE49-F238E27FC236}">
+                <a16:creationId xmlns:a16="http://schemas.microsoft.com/office/drawing/2014/main" id="{37BC7A0D-DF96-43A5-AEE1-F253C18D3E7D}"/>
+              </a:ext>
+            </a:extLst>
+          </p:cNvPr>
+          <p:cNvGrpSpPr/>
+          <p:nvPr/>
+        </p:nvGrpSpPr>
+        <p:grpSpPr>
+          <a:xfrm>
+            <a:off x="1045717" y="1029808"/>
+            <a:ext cx="9074827" cy="4485368"/>
+            <a:chOff x="1045717" y="1029808"/>
+            <a:chExt cx="9074827" cy="4485368"/>
+          </a:xfrm>
+        </p:grpSpPr>
+        <p:pic>
+          <p:nvPicPr>
+            <p:cNvPr id="7" name="Immagine 6">
+              <a:extLst>
+                <a:ext uri="{FF2B5EF4-FFF2-40B4-BE49-F238E27FC236}">
+                  <a16:creationId xmlns:a16="http://schemas.microsoft.com/office/drawing/2014/main" id="{B84A56E1-7509-494D-BF86-23239AD5C194}"/>
+                </a:ext>
+              </a:extLst>
+            </p:cNvPr>
+            <p:cNvPicPr>
+              <a:picLocks noChangeAspect="1"/>
+            </p:cNvPicPr>
+            <p:nvPr/>
+          </p:nvPicPr>
+          <p:blipFill>
+            <a:blip r:embed="rId2"/>
+            <a:stretch>
+              <a:fillRect/>
+            </a:stretch>
+          </p:blipFill>
+          <p:spPr>
+            <a:xfrm>
+              <a:off x="1045717" y="1029810"/>
+              <a:ext cx="6899798" cy="4485366"/>
+            </a:xfrm>
+            <a:prstGeom prst="rect">
+              <a:avLst/>
+            </a:prstGeom>
+            <a:ln w="28575">
+              <a:solidFill>
+                <a:schemeClr val="tx1"/>
+              </a:solidFill>
+            </a:ln>
+          </p:spPr>
+        </p:pic>
+        <p:pic>
+          <p:nvPicPr>
+            <p:cNvPr id="10" name="Immagine 9" descr="Immagine che contiene testo, screenshot, elettronico&#10;&#10;Descrizione generata automaticamente">
+              <a:extLst>
+                <a:ext uri="{FF2B5EF4-FFF2-40B4-BE49-F238E27FC236}">
+                  <a16:creationId xmlns:a16="http://schemas.microsoft.com/office/drawing/2014/main" id="{C87E078A-9C63-4F94-B215-29BB344A1EF9}"/>
+                </a:ext>
+              </a:extLst>
+            </p:cNvPr>
+            <p:cNvPicPr>
+              <a:picLocks noChangeAspect="1"/>
+            </p:cNvPicPr>
+            <p:nvPr/>
+          </p:nvPicPr>
+          <p:blipFill>
+            <a:blip r:embed="rId3"/>
+            <a:stretch>
+              <a:fillRect/>
+            </a:stretch>
+          </p:blipFill>
+          <p:spPr>
+            <a:xfrm>
+              <a:off x="7951434" y="1029808"/>
+              <a:ext cx="2169110" cy="4485367"/>
+            </a:xfrm>
+            <a:prstGeom prst="rect">
+              <a:avLst/>
+            </a:prstGeom>
+            <a:ln w="28575">
+              <a:solidFill>
+                <a:schemeClr val="tx1"/>
+              </a:solidFill>
+            </a:ln>
+          </p:spPr>
+        </p:pic>
+      </p:grpSp>
+    </p:spTree>
+    <p:extLst>
+      <p:ext uri="{BB962C8B-B14F-4D97-AF65-F5344CB8AC3E}">
+        <p14:creationId xmlns:p14="http://schemas.microsoft.com/office/powerpoint/2010/main" val="631139807"/>
+      </p:ext>
+    </p:extLst>
+  </p:cSld>
+  <p:clrMapOvr>
+    <a:masterClrMapping/>
+  </p:clrMapOvr>
+</p:sld>
+</file>
+
+<file path=ppt/slides/slide5.xml><?xml version="1.0" encoding="utf-8"?>
+<p:sld xmlns:a="http://schemas.openxmlformats.org/drawingml/2006/main" xmlns:r="http://schemas.openxmlformats.org/officeDocument/2006/relationships" xmlns:p="http://schemas.openxmlformats.org/presentationml/2006/main">
+  <p:cSld>
+    <p:spTree>
+      <p:nvGrpSpPr>
+        <p:cNvPr id="1" name=""/>
+        <p:cNvGrpSpPr/>
+        <p:nvPr/>
+      </p:nvGrpSpPr>
+      <p:grpSpPr>
+        <a:xfrm>
+          <a:off x="0" y="0"/>
+          <a:ext cx="0" cy="0"/>
+          <a:chOff x="0" y="0"/>
+          <a:chExt cx="0" cy="0"/>
+        </a:xfrm>
+      </p:grpSpPr>
+      <p:sp>
+        <p:nvSpPr>
+          <p:cNvPr id="2" name="Titolo 1">
+            <a:extLst>
+              <a:ext uri="{FF2B5EF4-FFF2-40B4-BE49-F238E27FC236}">
+                <a16:creationId xmlns:a16="http://schemas.microsoft.com/office/drawing/2014/main" id="{246D5F09-4C09-4AED-AB11-55C8DA98B707}"/>
+              </a:ext>
+            </a:extLst>
+          </p:cNvPr>
+          <p:cNvSpPr>
+            <a:spLocks noGrp="1"/>
+          </p:cNvSpPr>
+          <p:nvPr>
+            <p:ph type="title" idx="4294967295"/>
+          </p:nvPr>
+        </p:nvSpPr>
+        <p:spPr>
+          <a:xfrm>
+            <a:off x="1" y="-34264"/>
+            <a:ext cx="12192000" cy="587375"/>
+          </a:xfrm>
+        </p:spPr>
+        <p:txBody>
+          <a:bodyPr/>
+          <a:lstStyle/>
+          <a:p>
+            <a:pPr algn="ctr"/>
+            <a:r>
+              <a:rPr lang="it-IT" dirty="0"/>
+              <a:t>Prima pagina</a:t>
+            </a:r>
+          </a:p>
+        </p:txBody>
+      </p:sp>
+      <p:sp>
+        <p:nvSpPr>
+          <p:cNvPr id="4" name="Segnaposto testo 3">
+            <a:extLst>
+              <a:ext uri="{FF2B5EF4-FFF2-40B4-BE49-F238E27FC236}">
+                <a16:creationId xmlns:a16="http://schemas.microsoft.com/office/drawing/2014/main" id="{5F69114F-461F-46B6-811A-D4B9A84ACACB}"/>
+              </a:ext>
+            </a:extLst>
+          </p:cNvPr>
+          <p:cNvSpPr>
+            <a:spLocks noGrp="1"/>
+          </p:cNvSpPr>
+          <p:nvPr>
+            <p:ph idx="4294967295"/>
+          </p:nvPr>
+        </p:nvSpPr>
+        <p:spPr>
+          <a:xfrm>
+            <a:off x="1" y="362044"/>
+            <a:ext cx="12192000" cy="473075"/>
+          </a:xfrm>
+        </p:spPr>
+        <p:txBody>
+          <a:bodyPr>
+            <a:normAutofit fontScale="92500"/>
+          </a:bodyPr>
+          <a:lstStyle/>
+          <a:p>
+            <a:r>
+              <a:rPr lang="it-IT" dirty="0"/>
+              <a:t>La nostra homepage che mostra gli annunci dei venditori compresi dei loro riferimenti per poter finalizzare gli acquisti.</a:t>
+            </a:r>
+          </a:p>
+        </p:txBody>
+      </p:sp>
+      <p:cxnSp>
+        <p:nvCxnSpPr>
+          <p:cNvPr id="8" name="Connettore 2 7">
+            <a:extLst>
+              <a:ext uri="{FF2B5EF4-FFF2-40B4-BE49-F238E27FC236}">
+                <a16:creationId xmlns:a16="http://schemas.microsoft.com/office/drawing/2014/main" id="{6F72E692-D71D-4EF3-AAD2-115107174728}"/>
+              </a:ext>
+            </a:extLst>
+          </p:cNvPr>
+          <p:cNvCxnSpPr>
+            <a:cxnSpLocks/>
+          </p:cNvCxnSpPr>
+          <p:nvPr/>
+        </p:nvCxnSpPr>
+        <p:spPr>
+          <a:xfrm flipH="1" flipV="1">
+            <a:off x="5317724" y="4314549"/>
+            <a:ext cx="195309" cy="301839"/>
+          </a:xfrm>
+          <a:prstGeom prst="straightConnector1">
+            <a:avLst/>
+          </a:prstGeom>
+          <a:ln w="57150">
+            <a:solidFill>
+              <a:schemeClr val="bg1"/>
+            </a:solidFill>
+            <a:tailEnd type="triangle"/>
+          </a:ln>
+        </p:spPr>
+        <p:style>
+          <a:lnRef idx="1">
+            <a:schemeClr val="dk1"/>
+          </a:lnRef>
+          <a:fillRef idx="0">
+            <a:schemeClr val="dk1"/>
+          </a:fillRef>
+          <a:effectRef idx="0">
+            <a:schemeClr val="dk1"/>
+          </a:effectRef>
+          <a:fontRef idx="minor">
+            <a:schemeClr val="tx1"/>
+          </a:fontRef>
+        </p:style>
+      </p:cxnSp>
+      <p:grpSp>
+        <p:nvGrpSpPr>
+          <p:cNvPr id="10" name="Gruppo 9">
+            <a:extLst>
+              <a:ext uri="{FF2B5EF4-FFF2-40B4-BE49-F238E27FC236}">
+                <a16:creationId xmlns:a16="http://schemas.microsoft.com/office/drawing/2014/main" id="{DD2782E2-DB23-46A0-8956-8C91E0BCA63C}"/>
+              </a:ext>
+            </a:extLst>
+          </p:cNvPr>
+          <p:cNvGrpSpPr/>
+          <p:nvPr/>
+        </p:nvGrpSpPr>
+        <p:grpSpPr>
+          <a:xfrm>
+            <a:off x="1012054" y="1231427"/>
+            <a:ext cx="9543496" cy="4136477"/>
+            <a:chOff x="630314" y="1231426"/>
+            <a:chExt cx="9721050" cy="4136477"/>
+          </a:xfrm>
+        </p:grpSpPr>
+        <p:pic>
+          <p:nvPicPr>
+            <p:cNvPr id="5" name="Immagine 4">
+              <a:extLst>
+                <a:ext uri="{FF2B5EF4-FFF2-40B4-BE49-F238E27FC236}">
+                  <a16:creationId xmlns:a16="http://schemas.microsoft.com/office/drawing/2014/main" id="{FEA1DAD6-92B5-4F87-ABDD-DF70A88B8B6B}"/>
+                </a:ext>
+              </a:extLst>
+            </p:cNvPr>
+            <p:cNvPicPr>
+              <a:picLocks noChangeAspect="1"/>
+            </p:cNvPicPr>
+            <p:nvPr/>
+          </p:nvPicPr>
+          <p:blipFill>
+            <a:blip r:embed="rId2"/>
+            <a:stretch>
+              <a:fillRect/>
+            </a:stretch>
+          </p:blipFill>
+          <p:spPr>
+            <a:xfrm>
+              <a:off x="630314" y="1231426"/>
+              <a:ext cx="7572653" cy="4136477"/>
+            </a:xfrm>
+            <a:prstGeom prst="rect">
+              <a:avLst/>
+            </a:prstGeom>
+            <a:ln w="28575">
+              <a:solidFill>
+                <a:schemeClr val="tx1"/>
+              </a:solidFill>
+            </a:ln>
+          </p:spPr>
+        </p:pic>
+        <p:pic>
+          <p:nvPicPr>
+            <p:cNvPr id="9" name="Immagine 8" descr="Immagine che contiene testo, screenshot, monitor, telefono&#10;&#10;Descrizione generata automaticamente">
+              <a:extLst>
+                <a:ext uri="{FF2B5EF4-FFF2-40B4-BE49-F238E27FC236}">
+                  <a16:creationId xmlns:a16="http://schemas.microsoft.com/office/drawing/2014/main" id="{4E25884D-4267-4C4D-86A9-996F58ECEB85}"/>
+                </a:ext>
+              </a:extLst>
+            </p:cNvPr>
+            <p:cNvPicPr>
+              <a:picLocks noChangeAspect="1"/>
+            </p:cNvPicPr>
+            <p:nvPr/>
+          </p:nvPicPr>
+          <p:blipFill>
+            <a:blip r:embed="rId3"/>
+            <a:stretch>
+              <a:fillRect/>
+            </a:stretch>
+          </p:blipFill>
+          <p:spPr>
+            <a:xfrm>
+              <a:off x="8202968" y="1231426"/>
+              <a:ext cx="2148396" cy="4136477"/>
+            </a:xfrm>
+            <a:prstGeom prst="rect">
+              <a:avLst/>
+            </a:prstGeom>
+            <a:ln w="28575">
+              <a:solidFill>
+                <a:schemeClr val="tx1"/>
+              </a:solidFill>
+            </a:ln>
+          </p:spPr>
+        </p:pic>
+      </p:grpSp>
+    </p:spTree>
+    <p:extLst>
+      <p:ext uri="{BB962C8B-B14F-4D97-AF65-F5344CB8AC3E}">
+        <p14:creationId xmlns:p14="http://schemas.microsoft.com/office/powerpoint/2010/main" val="2640378718"/>
+      </p:ext>
+    </p:extLst>
+  </p:cSld>
+  <p:clrMapOvr>
+    <a:masterClrMapping/>
+  </p:clrMapOvr>
+</p:sld>
+</file>
+
+<file path=ppt/slides/slide6.xml><?xml version="1.0" encoding="utf-8"?>
+<p:sld xmlns:a="http://schemas.openxmlformats.org/drawingml/2006/main" xmlns:r="http://schemas.openxmlformats.org/officeDocument/2006/relationships" xmlns:p="http://schemas.openxmlformats.org/presentationml/2006/main">
+  <p:cSld>
+    <p:spTree>
+      <p:nvGrpSpPr>
+        <p:cNvPr id="1" name=""/>
+        <p:cNvGrpSpPr/>
+        <p:nvPr/>
+      </p:nvGrpSpPr>
+      <p:grpSpPr>
+        <a:xfrm>
+          <a:off x="0" y="0"/>
+          <a:ext cx="0" cy="0"/>
+          <a:chOff x="0" y="0"/>
+          <a:chExt cx="0" cy="0"/>
+        </a:xfrm>
+      </p:grpSpPr>
+      <p:sp>
+        <p:nvSpPr>
+          <p:cNvPr id="2" name="Titolo 1">
+            <a:extLst>
+              <a:ext uri="{FF2B5EF4-FFF2-40B4-BE49-F238E27FC236}">
+                <a16:creationId xmlns:a16="http://schemas.microsoft.com/office/drawing/2014/main" id="{246D5F09-4C09-4AED-AB11-55C8DA98B707}"/>
+              </a:ext>
+            </a:extLst>
+          </p:cNvPr>
+          <p:cNvSpPr>
+            <a:spLocks noGrp="1"/>
+          </p:cNvSpPr>
+          <p:nvPr>
+            <p:ph type="title" idx="4294967295"/>
+          </p:nvPr>
+        </p:nvSpPr>
+        <p:spPr>
+          <a:xfrm>
+            <a:off x="1" y="-34264"/>
+            <a:ext cx="12192000" cy="587375"/>
+          </a:xfrm>
+        </p:spPr>
+        <p:txBody>
+          <a:bodyPr/>
+          <a:lstStyle/>
+          <a:p>
+            <a:pPr algn="ctr"/>
+            <a:r>
+              <a:rPr lang="it-IT" dirty="0"/>
+              <a:t>Aggiungi annuncio</a:t>
+            </a:r>
+          </a:p>
+        </p:txBody>
+      </p:sp>
+      <p:sp>
+        <p:nvSpPr>
+          <p:cNvPr id="4" name="Segnaposto testo 3">
+            <a:extLst>
+              <a:ext uri="{FF2B5EF4-FFF2-40B4-BE49-F238E27FC236}">
+                <a16:creationId xmlns:a16="http://schemas.microsoft.com/office/drawing/2014/main" id="{5F69114F-461F-46B6-811A-D4B9A84ACACB}"/>
+              </a:ext>
+            </a:extLst>
+          </p:cNvPr>
+          <p:cNvSpPr>
+            <a:spLocks noGrp="1"/>
+          </p:cNvSpPr>
+          <p:nvPr>
+            <p:ph idx="4294967295"/>
+          </p:nvPr>
+        </p:nvSpPr>
+        <p:spPr>
+          <a:xfrm>
+            <a:off x="1" y="362044"/>
+            <a:ext cx="12192000" cy="473075"/>
+          </a:xfrm>
+        </p:spPr>
+        <p:txBody>
+          <a:bodyPr>
+            <a:normAutofit/>
+          </a:bodyPr>
+          <a:lstStyle/>
+          <a:p>
+            <a:r>
+              <a:rPr lang="it-IT" dirty="0"/>
+              <a:t>Il nostro </a:t>
+            </a:r>
+            <a:r>
+              <a:rPr lang="it-IT" dirty="0" err="1"/>
+              <a:t>form</a:t>
+            </a:r>
+            <a:r>
+              <a:rPr lang="it-IT" dirty="0"/>
+              <a:t> per poter aggiungere l’annuncio.</a:t>
+            </a:r>
+          </a:p>
+        </p:txBody>
+      </p:sp>
+      <p:grpSp>
+        <p:nvGrpSpPr>
+          <p:cNvPr id="15" name="Gruppo 14">
+            <a:extLst>
+              <a:ext uri="{FF2B5EF4-FFF2-40B4-BE49-F238E27FC236}">
+                <a16:creationId xmlns:a16="http://schemas.microsoft.com/office/drawing/2014/main" id="{3E72B2CB-834F-4A5B-AA11-BFB4A8385BD6}"/>
+              </a:ext>
+            </a:extLst>
+          </p:cNvPr>
+          <p:cNvGrpSpPr/>
+          <p:nvPr/>
+        </p:nvGrpSpPr>
+        <p:grpSpPr>
+          <a:xfrm>
+            <a:off x="902061" y="949419"/>
+            <a:ext cx="9965317" cy="4422681"/>
+            <a:chOff x="893183" y="949419"/>
+            <a:chExt cx="9965317" cy="4422681"/>
+          </a:xfrm>
+        </p:grpSpPr>
+        <p:pic>
+          <p:nvPicPr>
+            <p:cNvPr id="6" name="Immagine 5" descr="Immagine che contiene testo&#10;&#10;Descrizione generata automaticamente">
+              <a:extLst>
+                <a:ext uri="{FF2B5EF4-FFF2-40B4-BE49-F238E27FC236}">
+                  <a16:creationId xmlns:a16="http://schemas.microsoft.com/office/drawing/2014/main" id="{BE0032B2-B687-48AC-B1C3-6CD3A596C6A8}"/>
+                </a:ext>
+              </a:extLst>
+            </p:cNvPr>
+            <p:cNvPicPr>
+              <a:picLocks noChangeAspect="1"/>
+            </p:cNvPicPr>
+            <p:nvPr/>
+          </p:nvPicPr>
+          <p:blipFill>
+            <a:blip r:embed="rId2"/>
+            <a:stretch>
+              <a:fillRect/>
+            </a:stretch>
+          </p:blipFill>
+          <p:spPr>
+            <a:xfrm>
+              <a:off x="893183" y="949419"/>
+              <a:ext cx="3753845" cy="4422681"/>
+            </a:xfrm>
+            <a:prstGeom prst="rect">
+              <a:avLst/>
+            </a:prstGeom>
+            <a:ln w="28575">
+              <a:solidFill>
+                <a:schemeClr val="tx1"/>
+              </a:solidFill>
+            </a:ln>
+          </p:spPr>
+        </p:pic>
+        <p:pic>
+          <p:nvPicPr>
+            <p:cNvPr id="11" name="Immagine 10" descr="Immagine che contiene testo&#10;&#10;Descrizione generata automaticamente">
+              <a:extLst>
+                <a:ext uri="{FF2B5EF4-FFF2-40B4-BE49-F238E27FC236}">
+                  <a16:creationId xmlns:a16="http://schemas.microsoft.com/office/drawing/2014/main" id="{0D6E5334-585F-40E1-A41D-1D19591E5ECD}"/>
+                </a:ext>
+              </a:extLst>
+            </p:cNvPr>
+            <p:cNvPicPr>
+              <a:picLocks noChangeAspect="1"/>
+            </p:cNvPicPr>
+            <p:nvPr/>
+          </p:nvPicPr>
+          <p:blipFill>
+            <a:blip r:embed="rId3"/>
+            <a:stretch>
+              <a:fillRect/>
+            </a:stretch>
+          </p:blipFill>
+          <p:spPr>
+            <a:xfrm>
+              <a:off x="4647028" y="949419"/>
+              <a:ext cx="4049297" cy="4422681"/>
+            </a:xfrm>
+            <a:prstGeom prst="rect">
+              <a:avLst/>
+            </a:prstGeom>
+            <a:ln w="28575">
+              <a:solidFill>
+                <a:schemeClr val="tx1"/>
+              </a:solidFill>
+            </a:ln>
+          </p:spPr>
+        </p:pic>
+        <p:pic>
+          <p:nvPicPr>
+            <p:cNvPr id="14" name="Immagine 13" descr="Immagine che contiene testo, screenshot, monitor&#10;&#10;Descrizione generata automaticamente">
+              <a:extLst>
+                <a:ext uri="{FF2B5EF4-FFF2-40B4-BE49-F238E27FC236}">
+                  <a16:creationId xmlns:a16="http://schemas.microsoft.com/office/drawing/2014/main" id="{EDCF2C89-3DF7-4DFC-BD04-24982A27F532}"/>
+                </a:ext>
+              </a:extLst>
+            </p:cNvPr>
+            <p:cNvPicPr>
+              <a:picLocks noChangeAspect="1"/>
+            </p:cNvPicPr>
+            <p:nvPr/>
+          </p:nvPicPr>
+          <p:blipFill>
+            <a:blip r:embed="rId4"/>
+            <a:stretch>
+              <a:fillRect/>
+            </a:stretch>
+          </p:blipFill>
+          <p:spPr>
+            <a:xfrm>
+              <a:off x="8696325" y="949419"/>
+              <a:ext cx="2162175" cy="4422681"/>
+            </a:xfrm>
+            <a:prstGeom prst="rect">
+              <a:avLst/>
+            </a:prstGeom>
+            <a:ln w="28575">
+              <a:solidFill>
+                <a:schemeClr val="tx1"/>
+              </a:solidFill>
+            </a:ln>
+          </p:spPr>
+        </p:pic>
+      </p:grpSp>
+      <p:cxnSp>
+        <p:nvCxnSpPr>
+          <p:cNvPr id="12" name="Connettore 2 11">
+            <a:extLst>
+              <a:ext uri="{FF2B5EF4-FFF2-40B4-BE49-F238E27FC236}">
+                <a16:creationId xmlns:a16="http://schemas.microsoft.com/office/drawing/2014/main" id="{444A711E-2373-4806-88CF-CB55CDC0794F}"/>
+              </a:ext>
+            </a:extLst>
+          </p:cNvPr>
+          <p:cNvCxnSpPr>
+            <a:cxnSpLocks/>
+          </p:cNvCxnSpPr>
+          <p:nvPr/>
+        </p:nvCxnSpPr>
+        <p:spPr>
+          <a:xfrm flipH="1" flipV="1">
+            <a:off x="4372807" y="1080507"/>
+            <a:ext cx="195309" cy="301839"/>
+          </a:xfrm>
+          <a:prstGeom prst="straightConnector1">
+            <a:avLst/>
+          </a:prstGeom>
+          <a:ln w="57150">
+            <a:solidFill>
+              <a:schemeClr val="bg1"/>
+            </a:solidFill>
+            <a:tailEnd type="triangle"/>
+          </a:ln>
+        </p:spPr>
+        <p:style>
+          <a:lnRef idx="1">
+            <a:schemeClr val="dk1"/>
+          </a:lnRef>
+          <a:fillRef idx="0">
+            <a:schemeClr val="dk1"/>
+          </a:fillRef>
+          <a:effectRef idx="0">
+            <a:schemeClr val="dk1"/>
+          </a:effectRef>
+          <a:fontRef idx="minor">
+            <a:schemeClr val="tx1"/>
+          </a:fontRef>
+        </p:style>
+      </p:cxnSp>
+      <p:cxnSp>
+        <p:nvCxnSpPr>
+          <p:cNvPr id="16" name="Connettore 2 15">
+            <a:extLst>
+              <a:ext uri="{FF2B5EF4-FFF2-40B4-BE49-F238E27FC236}">
+                <a16:creationId xmlns:a16="http://schemas.microsoft.com/office/drawing/2014/main" id="{8AE8CB3D-8C24-478A-9BD8-066AA485982B}"/>
+              </a:ext>
+            </a:extLst>
+          </p:cNvPr>
+          <p:cNvCxnSpPr>
+            <a:cxnSpLocks/>
+          </p:cNvCxnSpPr>
+          <p:nvPr/>
+        </p:nvCxnSpPr>
+        <p:spPr>
+          <a:xfrm>
+            <a:off x="3477644" y="4296792"/>
+            <a:ext cx="0" cy="984333"/>
+          </a:xfrm>
+          <a:prstGeom prst="straightConnector1">
+            <a:avLst/>
+          </a:prstGeom>
+          <a:ln w="57150">
+            <a:solidFill>
+              <a:schemeClr val="bg1"/>
+            </a:solidFill>
+            <a:tailEnd type="triangle"/>
+          </a:ln>
+        </p:spPr>
+        <p:style>
+          <a:lnRef idx="1">
+            <a:schemeClr val="dk1"/>
+          </a:lnRef>
+          <a:fillRef idx="0">
+            <a:schemeClr val="dk1"/>
+          </a:fillRef>
+          <a:effectRef idx="0">
+            <a:schemeClr val="dk1"/>
+          </a:effectRef>
+          <a:fontRef idx="minor">
+            <a:schemeClr val="tx1"/>
+          </a:fontRef>
+        </p:style>
+      </p:cxnSp>
+    </p:spTree>
+    <p:extLst>
+      <p:ext uri="{BB962C8B-B14F-4D97-AF65-F5344CB8AC3E}">
+        <p14:creationId xmlns:p14="http://schemas.microsoft.com/office/powerpoint/2010/main" val="985760166"/>
+      </p:ext>
+    </p:extLst>
+  </p:cSld>
+  <p:clrMapOvr>
+    <a:masterClrMapping/>
+  </p:clrMapOvr>
+</p:sld>
+</file>
+
+<file path=ppt/slides/slide7.xml><?xml version="1.0" encoding="utf-8"?>
+<p:sld xmlns:a="http://schemas.openxmlformats.org/drawingml/2006/main" xmlns:r="http://schemas.openxmlformats.org/officeDocument/2006/relationships" xmlns:p="http://schemas.openxmlformats.org/presentationml/2006/main">
+  <p:cSld>
+    <p:spTree>
+      <p:nvGrpSpPr>
+        <p:cNvPr id="1" name=""/>
+        <p:cNvGrpSpPr/>
+        <p:nvPr/>
+      </p:nvGrpSpPr>
+      <p:grpSpPr>
+        <a:xfrm>
+          <a:off x="0" y="0"/>
+          <a:ext cx="0" cy="0"/>
+          <a:chOff x="0" y="0"/>
+          <a:chExt cx="0" cy="0"/>
+        </a:xfrm>
+      </p:grpSpPr>
+      <p:sp>
+        <p:nvSpPr>
+          <p:cNvPr id="2" name="Titolo 1">
+            <a:extLst>
+              <a:ext uri="{FF2B5EF4-FFF2-40B4-BE49-F238E27FC236}">
+                <a16:creationId xmlns:a16="http://schemas.microsoft.com/office/drawing/2014/main" id="{246D5F09-4C09-4AED-AB11-55C8DA98B707}"/>
+              </a:ext>
+            </a:extLst>
+          </p:cNvPr>
+          <p:cNvSpPr>
+            <a:spLocks noGrp="1"/>
+          </p:cNvSpPr>
+          <p:nvPr>
+            <p:ph type="title" idx="4294967295"/>
+          </p:nvPr>
+        </p:nvSpPr>
+        <p:spPr>
+          <a:xfrm>
+            <a:off x="1" y="-34264"/>
+            <a:ext cx="12192000" cy="587375"/>
+          </a:xfrm>
+        </p:spPr>
+        <p:txBody>
+          <a:bodyPr/>
+          <a:lstStyle/>
+          <a:p>
+            <a:pPr algn="ctr"/>
+            <a:r>
+              <a:rPr lang="it-IT" dirty="0"/>
+              <a:t>Profilo utente</a:t>
+            </a:r>
+          </a:p>
+        </p:txBody>
+      </p:sp>
+      <p:sp>
+        <p:nvSpPr>
+          <p:cNvPr id="4" name="Segnaposto testo 3">
+            <a:extLst>
+              <a:ext uri="{FF2B5EF4-FFF2-40B4-BE49-F238E27FC236}">
+                <a16:creationId xmlns:a16="http://schemas.microsoft.com/office/drawing/2014/main" id="{5F69114F-461F-46B6-811A-D4B9A84ACACB}"/>
+              </a:ext>
+            </a:extLst>
+          </p:cNvPr>
+          <p:cNvSpPr>
+            <a:spLocks noGrp="1"/>
+          </p:cNvSpPr>
+          <p:nvPr>
+            <p:ph idx="4294967295"/>
+          </p:nvPr>
+        </p:nvSpPr>
+        <p:spPr>
+          <a:xfrm>
+            <a:off x="1" y="362044"/>
+            <a:ext cx="12192000" cy="473075"/>
+          </a:xfrm>
+        </p:spPr>
+        <p:txBody>
+          <a:bodyPr>
+            <a:normAutofit/>
+          </a:bodyPr>
+          <a:lstStyle/>
+          <a:p>
+            <a:r>
+              <a:rPr lang="it-IT" dirty="0"/>
+              <a:t>La pagina dell’utente con le sue informazioni personali e i suoi annunci.</a:t>
+            </a:r>
+          </a:p>
+        </p:txBody>
+      </p:sp>
+      <p:grpSp>
+        <p:nvGrpSpPr>
+          <p:cNvPr id="9" name="Gruppo 8">
+            <a:extLst>
+              <a:ext uri="{FF2B5EF4-FFF2-40B4-BE49-F238E27FC236}">
+                <a16:creationId xmlns:a16="http://schemas.microsoft.com/office/drawing/2014/main" id="{466B4679-29A1-43A7-B376-0FF66AEFDEBA}"/>
+              </a:ext>
+            </a:extLst>
+          </p:cNvPr>
+          <p:cNvGrpSpPr/>
+          <p:nvPr/>
+        </p:nvGrpSpPr>
+        <p:grpSpPr>
+          <a:xfrm>
+            <a:off x="1597984" y="1160405"/>
+            <a:ext cx="9090734" cy="3979765"/>
+            <a:chOff x="1116920" y="1231427"/>
+            <a:chExt cx="9723679" cy="3589148"/>
+          </a:xfrm>
+        </p:grpSpPr>
+        <p:pic>
+          <p:nvPicPr>
+            <p:cNvPr id="5" name="Immagine 4">
+              <a:extLst>
+                <a:ext uri="{FF2B5EF4-FFF2-40B4-BE49-F238E27FC236}">
+                  <a16:creationId xmlns:a16="http://schemas.microsoft.com/office/drawing/2014/main" id="{6EF2619C-D708-4014-A36C-30941E06EBFB}"/>
+                </a:ext>
+              </a:extLst>
+            </p:cNvPr>
+            <p:cNvPicPr>
+              <a:picLocks noChangeAspect="1"/>
+            </p:cNvPicPr>
+            <p:nvPr/>
+          </p:nvPicPr>
+          <p:blipFill>
+            <a:blip r:embed="rId2"/>
+            <a:stretch>
+              <a:fillRect/>
+            </a:stretch>
+          </p:blipFill>
+          <p:spPr>
+            <a:xfrm>
+              <a:off x="1116920" y="1231427"/>
+              <a:ext cx="7423466" cy="3589148"/>
+            </a:xfrm>
+            <a:prstGeom prst="rect">
+              <a:avLst/>
+            </a:prstGeom>
+            <a:ln w="28575">
+              <a:solidFill>
+                <a:schemeClr val="tx1"/>
+              </a:solidFill>
+            </a:ln>
+          </p:spPr>
+        </p:pic>
+        <p:pic>
+          <p:nvPicPr>
+            <p:cNvPr id="8" name="Immagine 7" descr="Immagine che contiene testo, monitor, elettronico, schermo&#10;&#10;Descrizione generata automaticamente">
+              <a:extLst>
+                <a:ext uri="{FF2B5EF4-FFF2-40B4-BE49-F238E27FC236}">
+                  <a16:creationId xmlns:a16="http://schemas.microsoft.com/office/drawing/2014/main" id="{6D4FB535-62E5-40AC-970B-339E14382881}"/>
+                </a:ext>
+              </a:extLst>
+            </p:cNvPr>
+            <p:cNvPicPr>
+              <a:picLocks noChangeAspect="1"/>
+            </p:cNvPicPr>
+            <p:nvPr/>
+          </p:nvPicPr>
+          <p:blipFill rotWithShape="1">
+            <a:blip r:embed="rId3"/>
+            <a:srcRect l="6545" t="2724" r="5498" b="506"/>
+            <a:stretch/>
+          </p:blipFill>
+          <p:spPr>
+            <a:xfrm>
+              <a:off x="8540386" y="1231427"/>
+              <a:ext cx="2300213" cy="3589148"/>
+            </a:xfrm>
+            <a:prstGeom prst="rect">
+              <a:avLst/>
+            </a:prstGeom>
+            <a:ln w="28575">
+              <a:solidFill>
+                <a:schemeClr val="tx1"/>
+              </a:solidFill>
+            </a:ln>
+          </p:spPr>
+        </p:pic>
+      </p:grpSp>
+    </p:spTree>
+    <p:extLst>
+      <p:ext uri="{BB962C8B-B14F-4D97-AF65-F5344CB8AC3E}">
+        <p14:creationId xmlns:p14="http://schemas.microsoft.com/office/powerpoint/2010/main" val="3070766005"/>
+      </p:ext>
+    </p:extLst>
+  </p:cSld>
+  <p:clrMapOvr>
+    <a:masterClrMapping/>
+  </p:clrMapOvr>
+</p:sld>
+</file>
+
+<file path=ppt/slides/slide8.xml><?xml version="1.0" encoding="utf-8"?>
+<p:sld xmlns:a="http://schemas.openxmlformats.org/drawingml/2006/main" xmlns:r="http://schemas.openxmlformats.org/officeDocument/2006/relationships" xmlns:p="http://schemas.openxmlformats.org/presentationml/2006/main">
+  <p:cSld>
+    <p:spTree>
+      <p:nvGrpSpPr>
+        <p:cNvPr id="1" name=""/>
+        <p:cNvGrpSpPr/>
+        <p:nvPr/>
+      </p:nvGrpSpPr>
+      <p:grpSpPr>
+        <a:xfrm>
+          <a:off x="0" y="0"/>
+          <a:ext cx="0" cy="0"/>
+          <a:chOff x="0" y="0"/>
+          <a:chExt cx="0" cy="0"/>
+        </a:xfrm>
+      </p:grpSpPr>
+      <p:sp>
+        <p:nvSpPr>
+          <p:cNvPr id="2" name="Titolo 1">
+            <a:extLst>
+              <a:ext uri="{FF2B5EF4-FFF2-40B4-BE49-F238E27FC236}">
+                <a16:creationId xmlns:a16="http://schemas.microsoft.com/office/drawing/2014/main" id="{246D5F09-4C09-4AED-AB11-55C8DA98B707}"/>
+              </a:ext>
+            </a:extLst>
+          </p:cNvPr>
+          <p:cNvSpPr>
+            <a:spLocks noGrp="1"/>
+          </p:cNvSpPr>
+          <p:nvPr>
+            <p:ph type="title" idx="4294967295"/>
+          </p:nvPr>
+        </p:nvSpPr>
+        <p:spPr>
+          <a:xfrm>
+            <a:off x="1" y="-34264"/>
+            <a:ext cx="12192000" cy="587375"/>
+          </a:xfrm>
+        </p:spPr>
+        <p:txBody>
+          <a:bodyPr/>
+          <a:lstStyle/>
+          <a:p>
+            <a:pPr algn="ctr"/>
+            <a:r>
+              <a:rPr lang="it-IT" dirty="0"/>
+              <a:t>Pagina annuncio</a:t>
+            </a:r>
+          </a:p>
+        </p:txBody>
+      </p:sp>
+      <p:sp>
+        <p:nvSpPr>
+          <p:cNvPr id="4" name="Segnaposto testo 3">
+            <a:extLst>
+              <a:ext uri="{FF2B5EF4-FFF2-40B4-BE49-F238E27FC236}">
+                <a16:creationId xmlns:a16="http://schemas.microsoft.com/office/drawing/2014/main" id="{5F69114F-461F-46B6-811A-D4B9A84ACACB}"/>
+              </a:ext>
+            </a:extLst>
+          </p:cNvPr>
+          <p:cNvSpPr>
+            <a:spLocks noGrp="1"/>
+          </p:cNvSpPr>
+          <p:nvPr>
+            <p:ph idx="4294967295"/>
+          </p:nvPr>
+        </p:nvSpPr>
+        <p:spPr>
+          <a:xfrm>
+            <a:off x="1" y="362044"/>
+            <a:ext cx="12192000" cy="473075"/>
+          </a:xfrm>
+        </p:spPr>
+        <p:txBody>
+          <a:bodyPr>
+            <a:normAutofit/>
+          </a:bodyPr>
+          <a:lstStyle/>
+          <a:p>
+            <a:r>
+              <a:rPr lang="it-IT" dirty="0"/>
+              <a:t>La pagina relativa all’annuncio.</a:t>
+            </a:r>
+          </a:p>
+        </p:txBody>
+      </p:sp>
+      <p:grpSp>
+        <p:nvGrpSpPr>
+          <p:cNvPr id="13" name="Gruppo 12">
+            <a:extLst>
+              <a:ext uri="{FF2B5EF4-FFF2-40B4-BE49-F238E27FC236}">
+                <a16:creationId xmlns:a16="http://schemas.microsoft.com/office/drawing/2014/main" id="{04C22CB1-1D7F-4D1B-A380-990181FAAA20}"/>
+              </a:ext>
+            </a:extLst>
+          </p:cNvPr>
+          <p:cNvGrpSpPr/>
+          <p:nvPr/>
+        </p:nvGrpSpPr>
+        <p:grpSpPr>
+          <a:xfrm>
+            <a:off x="258937" y="825132"/>
+            <a:ext cx="11661491" cy="5118006"/>
+            <a:chOff x="258937" y="825132"/>
+            <a:chExt cx="11661491" cy="5118006"/>
+          </a:xfrm>
+        </p:grpSpPr>
+        <p:grpSp>
+          <p:nvGrpSpPr>
+            <p:cNvPr id="10" name="Gruppo 9">
+              <a:extLst>
+                <a:ext uri="{FF2B5EF4-FFF2-40B4-BE49-F238E27FC236}">
+                  <a16:creationId xmlns:a16="http://schemas.microsoft.com/office/drawing/2014/main" id="{1433E10B-736B-4BCA-86BF-3FAC10BB5076}"/>
+                </a:ext>
+              </a:extLst>
+            </p:cNvPr>
+            <p:cNvGrpSpPr/>
+            <p:nvPr/>
+          </p:nvGrpSpPr>
+          <p:grpSpPr>
+            <a:xfrm>
+              <a:off x="258937" y="825132"/>
+              <a:ext cx="5831946" cy="5118006"/>
+              <a:chOff x="152401" y="949419"/>
+              <a:chExt cx="5831946" cy="5118006"/>
+            </a:xfrm>
+          </p:grpSpPr>
+          <p:pic>
+            <p:nvPicPr>
+              <p:cNvPr id="5" name="Immagine 4" descr="Immagine che contiene testo, monitor, televisione, schermo&#10;&#10;Descrizione generata automaticamente">
+                <a:extLst>
+                  <a:ext uri="{FF2B5EF4-FFF2-40B4-BE49-F238E27FC236}">
+                    <a16:creationId xmlns:a16="http://schemas.microsoft.com/office/drawing/2014/main" id="{0DD5CF68-C72A-4A99-9885-151F3F10CB75}"/>
+                  </a:ext>
+                </a:extLst>
+              </p:cNvPr>
+              <p:cNvPicPr>
+                <a:picLocks noChangeAspect="1"/>
+              </p:cNvPicPr>
+              <p:nvPr/>
+            </p:nvPicPr>
+            <p:blipFill>
+              <a:blip r:embed="rId2"/>
+              <a:stretch>
+                <a:fillRect/>
+              </a:stretch>
+            </p:blipFill>
+            <p:spPr>
+              <a:xfrm>
+                <a:off x="152401" y="949419"/>
+                <a:ext cx="5831945" cy="3401828"/>
+              </a:xfrm>
+              <a:prstGeom prst="rect">
+                <a:avLst/>
+              </a:prstGeom>
+              <a:ln>
+                <a:noFill/>
+              </a:ln>
+            </p:spPr>
+          </p:pic>
+          <p:pic>
+            <p:nvPicPr>
+              <p:cNvPr id="9" name="Immagine 8">
+                <a:extLst>
+                  <a:ext uri="{FF2B5EF4-FFF2-40B4-BE49-F238E27FC236}">
+                    <a16:creationId xmlns:a16="http://schemas.microsoft.com/office/drawing/2014/main" id="{0206D872-CE86-469F-9CE2-2114DB84A791}"/>
+                  </a:ext>
+                </a:extLst>
+              </p:cNvPr>
+              <p:cNvPicPr>
+                <a:picLocks noChangeAspect="1"/>
+              </p:cNvPicPr>
+              <p:nvPr/>
+            </p:nvPicPr>
+            <p:blipFill>
+              <a:blip r:embed="rId3"/>
+              <a:stretch>
+                <a:fillRect/>
+              </a:stretch>
+            </p:blipFill>
+            <p:spPr>
+              <a:xfrm>
+                <a:off x="152401" y="4351247"/>
+                <a:ext cx="5831946" cy="1716178"/>
+              </a:xfrm>
+              <a:prstGeom prst="rect">
+                <a:avLst/>
+              </a:prstGeom>
+              <a:ln>
+                <a:noFill/>
+              </a:ln>
+            </p:spPr>
+          </p:pic>
+        </p:grpSp>
+        <p:pic>
+          <p:nvPicPr>
+            <p:cNvPr id="12" name="Immagine 11">
+              <a:extLst>
+                <a:ext uri="{FF2B5EF4-FFF2-40B4-BE49-F238E27FC236}">
+                  <a16:creationId xmlns:a16="http://schemas.microsoft.com/office/drawing/2014/main" id="{9C9222E1-6220-4A64-BEA7-410091FCBAF1}"/>
+                </a:ext>
+              </a:extLst>
+            </p:cNvPr>
+            <p:cNvPicPr>
+              <a:picLocks noChangeAspect="1"/>
+            </p:cNvPicPr>
+            <p:nvPr/>
+          </p:nvPicPr>
+          <p:blipFill>
+            <a:blip r:embed="rId4"/>
+            <a:stretch>
+              <a:fillRect/>
+            </a:stretch>
+          </p:blipFill>
+          <p:spPr>
+            <a:xfrm>
+              <a:off x="6083364" y="825132"/>
+              <a:ext cx="5837064" cy="2307725"/>
+            </a:xfrm>
+            <a:prstGeom prst="rect">
+              <a:avLst/>
+            </a:prstGeom>
+            <a:ln>
+              <a:noFill/>
+            </a:ln>
+          </p:spPr>
+        </p:pic>
+      </p:grpSp>
+    </p:spTree>
+    <p:extLst>
+      <p:ext uri="{BB962C8B-B14F-4D97-AF65-F5344CB8AC3E}">
+        <p14:creationId xmlns:p14="http://schemas.microsoft.com/office/powerpoint/2010/main" val="2423580715"/>
+      </p:ext>
+    </p:extLst>
+  </p:cSld>
+  <p:clrMapOvr>
+    <a:masterClrMapping/>
+  </p:clrMapOvr>
+</p:sld>
+</file>
+
+<file path=ppt/slides/slide9.xml><?xml version="1.0" encoding="utf-8"?>
+<p:sld xmlns:a="http://schemas.openxmlformats.org/drawingml/2006/main" xmlns:r="http://schemas.openxmlformats.org/officeDocument/2006/relationships" xmlns:p="http://schemas.openxmlformats.org/presentationml/2006/main">
+  <p:cSld>
+    <p:spTree>
+      <p:nvGrpSpPr>
+        <p:cNvPr id="1" name=""/>
+        <p:cNvGrpSpPr/>
+        <p:nvPr/>
+      </p:nvGrpSpPr>
+      <p:grpSpPr>
+        <a:xfrm>
+          <a:off x="0" y="0"/>
+          <a:ext cx="0" cy="0"/>
+          <a:chOff x="0" y="0"/>
+          <a:chExt cx="0" cy="0"/>
+        </a:xfrm>
+      </p:grpSpPr>
+      <p:sp>
+        <p:nvSpPr>
+          <p:cNvPr id="2" name="Titolo 1">
+            <a:extLst>
+              <a:ext uri="{FF2B5EF4-FFF2-40B4-BE49-F238E27FC236}">
+                <a16:creationId xmlns:a16="http://schemas.microsoft.com/office/drawing/2014/main" id="{246D5F09-4C09-4AED-AB11-55C8DA98B707}"/>
+              </a:ext>
+            </a:extLst>
+          </p:cNvPr>
+          <p:cNvSpPr>
+            <a:spLocks noGrp="1"/>
+          </p:cNvSpPr>
+          <p:nvPr>
+            <p:ph type="title" idx="4294967295"/>
+          </p:nvPr>
+        </p:nvSpPr>
+        <p:spPr>
+          <a:xfrm>
+            <a:off x="66675" y="257947"/>
+            <a:ext cx="12192000" cy="587375"/>
+          </a:xfrm>
+        </p:spPr>
+        <p:txBody>
+          <a:bodyPr/>
+          <a:lstStyle/>
+          <a:p>
+            <a:pPr algn="ctr"/>
+            <a:r>
+              <a:rPr lang="it-IT" dirty="0"/>
+              <a:t>Sviluppi futuri</a:t>
+            </a:r>
+          </a:p>
+        </p:txBody>
+      </p:sp>
+      <p:sp>
+        <p:nvSpPr>
+          <p:cNvPr id="4" name="Segnaposto testo 3">
+            <a:extLst>
+              <a:ext uri="{FF2B5EF4-FFF2-40B4-BE49-F238E27FC236}">
+                <a16:creationId xmlns:a16="http://schemas.microsoft.com/office/drawing/2014/main" id="{5F69114F-461F-46B6-811A-D4B9A84ACACB}"/>
+              </a:ext>
+            </a:extLst>
+          </p:cNvPr>
+          <p:cNvSpPr>
+            <a:spLocks noGrp="1"/>
+          </p:cNvSpPr>
+          <p:nvPr>
+            <p:ph idx="4294967295"/>
+          </p:nvPr>
+        </p:nvSpPr>
+        <p:spPr>
+          <a:xfrm>
+            <a:off x="154158" y="1006046"/>
+            <a:ext cx="6503817" cy="4013629"/>
+          </a:xfrm>
+        </p:spPr>
+        <p:txBody>
+          <a:bodyPr>
+            <a:normAutofit/>
+          </a:bodyPr>
+          <a:lstStyle/>
+          <a:p>
+            <a:r>
+              <a:rPr lang="it-IT" sz="2400" dirty="0"/>
+              <a:t>Nell’immediato futuro vorremmo implementare:</a:t>
+            </a:r>
+          </a:p>
+          <a:p>
+            <a:pPr lvl="1"/>
+            <a:r>
+              <a:rPr lang="it-IT" sz="2400" dirty="0"/>
+              <a:t>Una sezione filtri dove poter cercare gli annunci in base ai requisiti delle auto.  </a:t>
+            </a:r>
+          </a:p>
+          <a:p>
+            <a:pPr lvl="1"/>
+            <a:r>
+              <a:rPr lang="it-IT" sz="2400" dirty="0"/>
+              <a:t>Visualizzare gli annunci di una persona all’interno del corrispettivo profilo.</a:t>
+            </a:r>
+          </a:p>
+          <a:p>
+            <a:pPr lvl="1"/>
+            <a:r>
+              <a:rPr lang="it-IT" sz="2400" dirty="0"/>
+              <a:t>La possibilità di effettuare recensioni sui venditori</a:t>
+            </a:r>
+          </a:p>
+          <a:p>
+            <a:pPr lvl="1"/>
+            <a:endParaRPr lang="it-IT" sz="2400" dirty="0"/>
+          </a:p>
+          <a:p>
+            <a:pPr lvl="1"/>
+            <a:endParaRPr lang="it-IT" dirty="0"/>
           </a:p>
         </p:txBody>
       </p:sp>
       <p:pic>
         <p:nvPicPr>
-          <p:cNvPr id="38" name="Immagine 37" descr="Immagine che contiene testo, monitor, screenshot&#10;&#10;Descrizione generata automaticamente">
+          <p:cNvPr id="12" name="Immagine 11" descr="Immagine che contiene automobile&#10;&#10;Descrizione generata automaticamente">
             <a:extLst>
               <a:ext uri="{FF2B5EF4-FFF2-40B4-BE49-F238E27FC236}">
-                <a16:creationId xmlns:a16="http://schemas.microsoft.com/office/drawing/2014/main" id="{74140C0F-AB11-4846-9E6B-3F54BA742702}"/>
+                <a16:creationId xmlns:a16="http://schemas.microsoft.com/office/drawing/2014/main" id="{272EC164-7AF3-4279-B397-A8566B4DF81D}"/>
               </a:ext>
             </a:extLst>
           </p:cNvPr>
@@ -3921,8 +5402,8 @@
         </p:blipFill>
         <p:spPr>
           <a:xfrm>
-            <a:off x="9282904" y="801106"/>
-            <a:ext cx="2698343" cy="4580520"/>
+            <a:off x="6229350" y="1212849"/>
+            <a:ext cx="5566835" cy="3340101"/>
           </a:xfrm>
           <a:prstGeom prst="rect">
             <a:avLst/>
@@ -3932,7 +5413,7 @@
     </p:spTree>
     <p:extLst>
       <p:ext uri="{BB962C8B-B14F-4D97-AF65-F5344CB8AC3E}">
-        <p14:creationId xmlns:p14="http://schemas.microsoft.com/office/powerpoint/2010/main" val="661661227"/>
+        <p14:creationId xmlns:p14="http://schemas.microsoft.com/office/powerpoint/2010/main" val="2438833924"/>
       </p:ext>
     </p:extLst>
   </p:cSld>

--- a/presentazione.pptx
+++ b/presentazione.pptx
@@ -259,7 +259,7 @@
           <a:p>
             <a:fld id="{48A87A34-81AB-432B-8DAE-1953F412C126}" type="datetimeFigureOut">
               <a:rPr lang="en-US" dirty="0"/>
-              <a:t>3/21/2021</a:t>
+              <a:t>3/22/2021</a:t>
             </a:fld>
             <a:endParaRPr lang="en-US" dirty="0"/>
           </a:p>
@@ -465,7 +465,7 @@
           <a:p>
             <a:fld id="{48A87A34-81AB-432B-8DAE-1953F412C126}" type="datetimeFigureOut">
               <a:rPr lang="en-US" dirty="0"/>
-              <a:t>3/21/2021</a:t>
+              <a:t>3/22/2021</a:t>
             </a:fld>
             <a:endParaRPr lang="en-US" dirty="0"/>
           </a:p>
@@ -675,7 +675,7 @@
           <a:p>
             <a:fld id="{48A87A34-81AB-432B-8DAE-1953F412C126}" type="datetimeFigureOut">
               <a:rPr lang="en-US" dirty="0"/>
-              <a:t>3/21/2021</a:t>
+              <a:t>3/22/2021</a:t>
             </a:fld>
             <a:endParaRPr lang="en-US" dirty="0"/>
           </a:p>
@@ -871,7 +871,7 @@
           <a:p>
             <a:fld id="{48A87A34-81AB-432B-8DAE-1953F412C126}" type="datetimeFigureOut">
               <a:rPr lang="en-US" dirty="0"/>
-              <a:t>3/21/2021</a:t>
+              <a:t>3/22/2021</a:t>
             </a:fld>
             <a:endParaRPr lang="en-US" dirty="0"/>
           </a:p>
@@ -1145,7 +1145,7 @@
           <a:p>
             <a:fld id="{48A87A34-81AB-432B-8DAE-1953F412C126}" type="datetimeFigureOut">
               <a:rPr lang="en-US" dirty="0"/>
-              <a:t>3/21/2021</a:t>
+              <a:t>3/22/2021</a:t>
             </a:fld>
             <a:endParaRPr lang="en-US" dirty="0"/>
           </a:p>
@@ -1408,7 +1408,7 @@
           <a:p>
             <a:fld id="{48A87A34-81AB-432B-8DAE-1953F412C126}" type="datetimeFigureOut">
               <a:rPr lang="en-US" dirty="0"/>
-              <a:t>3/21/2021</a:t>
+              <a:t>3/22/2021</a:t>
             </a:fld>
             <a:endParaRPr lang="en-US" dirty="0"/>
           </a:p>
@@ -1819,7 +1819,7 @@
           <a:p>
             <a:fld id="{48A87A34-81AB-432B-8DAE-1953F412C126}" type="datetimeFigureOut">
               <a:rPr lang="en-US" dirty="0"/>
-              <a:t>3/21/2021</a:t>
+              <a:t>3/22/2021</a:t>
             </a:fld>
             <a:endParaRPr lang="en-US" dirty="0"/>
           </a:p>
@@ -1963,7 +1963,7 @@
           <a:p>
             <a:fld id="{48A87A34-81AB-432B-8DAE-1953F412C126}" type="datetimeFigureOut">
               <a:rPr lang="en-US" dirty="0"/>
-              <a:t>3/21/2021</a:t>
+              <a:t>3/22/2021</a:t>
             </a:fld>
             <a:endParaRPr lang="en-US" dirty="0"/>
           </a:p>
@@ -2084,7 +2084,7 @@
           <a:p>
             <a:fld id="{48A87A34-81AB-432B-8DAE-1953F412C126}" type="datetimeFigureOut">
               <a:rPr lang="en-US" dirty="0"/>
-              <a:t>3/21/2021</a:t>
+              <a:t>3/22/2021</a:t>
             </a:fld>
             <a:endParaRPr lang="en-US" dirty="0"/>
           </a:p>
@@ -2330,7 +2330,7 @@
           <a:p>
             <a:fld id="{48A87A34-81AB-432B-8DAE-1953F412C126}" type="datetimeFigureOut">
               <a:rPr lang="en-US" dirty="0"/>
-              <a:t>3/21/2021</a:t>
+              <a:t>3/22/2021</a:t>
             </a:fld>
             <a:endParaRPr lang="en-US" dirty="0"/>
           </a:p>
@@ -2771,7 +2771,7 @@
             <a:fld id="{48A87A34-81AB-432B-8DAE-1953F412C126}" type="datetimeFigureOut">
               <a:rPr lang="en-US" dirty="0"/>
               <a:pPr/>
-              <a:t>3/21/2021</a:t>
+              <a:t>3/22/2021</a:t>
             </a:fld>
             <a:endParaRPr lang="en-US" dirty="0"/>
           </a:p>
@@ -3094,7 +3094,7 @@
             <a:fld id="{48A87A34-81AB-432B-8DAE-1953F412C126}" type="datetimeFigureOut">
               <a:rPr lang="en-US" dirty="0"/>
               <a:pPr/>
-              <a:t>3/21/2021</a:t>
+              <a:t>3/22/2021</a:t>
             </a:fld>
             <a:endParaRPr lang="en-US" dirty="0"/>
           </a:p>
@@ -3692,10 +3692,10 @@
       </p:sp>
       <p:sp>
         <p:nvSpPr>
-          <p:cNvPr id="3" name="Segnaposto contenuto 2">
+          <p:cNvPr id="6" name="Segnaposto contenuto 2">
             <a:extLst>
               <a:ext uri="{FF2B5EF4-FFF2-40B4-BE49-F238E27FC236}">
-                <a16:creationId xmlns:a16="http://schemas.microsoft.com/office/drawing/2014/main" id="{DA393C36-6367-46A1-B0D4-0E82F7E1DADA}"/>
+                <a16:creationId xmlns:a16="http://schemas.microsoft.com/office/drawing/2014/main" id="{28291756-B1B1-4A40-988B-B48D83B0420C}"/>
               </a:ext>
             </a:extLst>
           </p:cNvPr>
@@ -3706,70 +3706,58 @@
             <p:ph idx="1"/>
           </p:nvPr>
         </p:nvSpPr>
-        <p:spPr/>
+        <p:spPr>
+          <a:xfrm>
+            <a:off x="1450975" y="2016125"/>
+            <a:ext cx="9604375" cy="3449638"/>
+          </a:xfrm>
+        </p:spPr>
         <p:txBody>
           <a:bodyPr>
-            <a:normAutofit fontScale="92500" lnSpcReduction="20000"/>
+            <a:normAutofit/>
           </a:bodyPr>
           <a:lstStyle/>
           <a:p>
             <a:pPr marL="0" indent="0">
+              <a:lnSpc>
+                <a:spcPct val="100000"/>
+              </a:lnSpc>
               <a:buNone/>
             </a:pPr>
             <a:r>
-              <a:rPr lang="it-IT" dirty="0" err="1"/>
-              <a:t>Carbook</a:t>
-            </a:r>
-            <a:r>
               <a:rPr lang="it-IT" dirty="0"/>
-              <a:t> è un’applicazione creata per la compravendita di automobili.</a:t>
+              <a:t>Carbook è un’applicazione creata per la compravendita di automobili.</a:t>
             </a:r>
           </a:p>
           <a:p>
             <a:pPr marL="0" indent="0">
+              <a:lnSpc>
+                <a:spcPct val="100000"/>
+              </a:lnSpc>
               <a:buNone/>
             </a:pPr>
             <a:r>
               <a:rPr lang="it-IT" dirty="0"/>
-              <a:t>Potrai vendere o acquistare auto usate o nuove, auto eco-</a:t>
+              <a:t>Potrai vendere o acquistare auto usate o nuove, auto ecosostenibili o potenti vetture sportive, grazie a Carbook, troverai velocemente l’auto dei tuoi desideri a prezzi convenienti.</a:t>
             </a:r>
           </a:p>
           <a:p>
             <a:pPr marL="0" indent="0">
+              <a:lnSpc>
+                <a:spcPct val="100000"/>
+              </a:lnSpc>
               <a:buNone/>
             </a:pPr>
             <a:r>
               <a:rPr lang="it-IT" dirty="0"/>
-              <a:t>sostenibili o potenti vetture sportive, grazie a </a:t>
-            </a:r>
-            <a:r>
-              <a:rPr lang="it-IT" dirty="0" err="1"/>
-              <a:t>Carbook</a:t>
-            </a:r>
-            <a:r>
-              <a:rPr lang="it-IT" dirty="0"/>
-              <a:t>, troverai velocemente l’auto dei tuoi desideri a prezzi convenienti.</a:t>
+              <a:t>Bastano pochi passaggi per registrarsi, dopo di che potrai pubblicare annunci con automobili da vendere o acquistarne una tra quelle pubblicate dagli altri utenti.</a:t>
             </a:r>
           </a:p>
           <a:p>
             <a:pPr marL="0" indent="0">
-              <a:buNone/>
-            </a:pPr>
-            <a:r>
-              <a:rPr lang="it-IT" dirty="0"/>
-              <a:t>Bastano pochi passaggi per registrarsi, </a:t>
-            </a:r>
-            <a:r>
-              <a:rPr lang="it-IT" dirty="0" err="1"/>
-              <a:t>dopodichè</a:t>
-            </a:r>
-            <a:r>
-              <a:rPr lang="it-IT" dirty="0"/>
-              <a:t> potrai pubblicare annunci con automobili da vendere o acquistarne una tra quelle pubblicate dagli altri utenti.</a:t>
-            </a:r>
-          </a:p>
-          <a:p>
-            <a:pPr marL="0" indent="0">
+              <a:lnSpc>
+                <a:spcPct val="100000"/>
+              </a:lnSpc>
               <a:buNone/>
             </a:pPr>
             <a:r>
@@ -3785,24 +3773,6 @@
               <a:rPr lang="it-IT" dirty="0"/>
               <a:t>Ti auguriamo una buona permanenza sulla piattaforma e buona compravendita!</a:t>
             </a:r>
-          </a:p>
-          <a:p>
-            <a:pPr marL="0" indent="0">
-              <a:buNone/>
-            </a:pPr>
-            <a:endParaRPr lang="it-IT" dirty="0"/>
-          </a:p>
-          <a:p>
-            <a:pPr marL="0" indent="0">
-              <a:buNone/>
-            </a:pPr>
-            <a:endParaRPr lang="it-IT" dirty="0"/>
-          </a:p>
-          <a:p>
-            <a:pPr marL="0" indent="0">
-              <a:buNone/>
-            </a:pPr>
-            <a:endParaRPr lang="it-IT" dirty="0"/>
           </a:p>
         </p:txBody>
       </p:sp>
@@ -5071,7 +5041,7 @@
             <a:pPr algn="ctr"/>
             <a:r>
               <a:rPr lang="it-IT" dirty="0"/>
-              <a:t>Pagina annuncio</a:t>
+              <a:t>Pagina modifica annuncio</a:t>
             </a:r>
           </a:p>
         </p:txBody>
@@ -5106,7 +5076,7 @@
           <a:p>
             <a:r>
               <a:rPr lang="it-IT" dirty="0"/>
-              <a:t>La pagina relativa all’annuncio.</a:t>
+              <a:t>La pagina relativa alla modifica dell’annuncio.</a:t>
             </a:r>
           </a:p>
         </p:txBody>

--- a/presentazione.pptx
+++ b/presentazione.pptx
@@ -12,8 +12,9 @@
     <p:sldId id="260" r:id="rId6"/>
     <p:sldId id="262" r:id="rId7"/>
     <p:sldId id="263" r:id="rId8"/>
-    <p:sldId id="264" r:id="rId9"/>
-    <p:sldId id="261" r:id="rId10"/>
+    <p:sldId id="265" r:id="rId9"/>
+    <p:sldId id="264" r:id="rId10"/>
+    <p:sldId id="261" r:id="rId11"/>
   </p:sldIdLst>
   <p:sldSz cx="12192000" cy="6858000"/>
   <p:notesSz cx="6858000" cy="9144000"/>
@@ -3645,6 +3646,164 @@
 </p:sld>
 </file>
 
+<file path=ppt/slides/slide10.xml><?xml version="1.0" encoding="utf-8"?>
+<p:sld xmlns:a="http://schemas.openxmlformats.org/drawingml/2006/main" xmlns:r="http://schemas.openxmlformats.org/officeDocument/2006/relationships" xmlns:p="http://schemas.openxmlformats.org/presentationml/2006/main">
+  <p:cSld>
+    <p:spTree>
+      <p:nvGrpSpPr>
+        <p:cNvPr id="1" name=""/>
+        <p:cNvGrpSpPr/>
+        <p:nvPr/>
+      </p:nvGrpSpPr>
+      <p:grpSpPr>
+        <a:xfrm>
+          <a:off x="0" y="0"/>
+          <a:ext cx="0" cy="0"/>
+          <a:chOff x="0" y="0"/>
+          <a:chExt cx="0" cy="0"/>
+        </a:xfrm>
+      </p:grpSpPr>
+      <p:sp>
+        <p:nvSpPr>
+          <p:cNvPr id="2" name="Titolo 1">
+            <a:extLst>
+              <a:ext uri="{FF2B5EF4-FFF2-40B4-BE49-F238E27FC236}">
+                <a16:creationId xmlns:a16="http://schemas.microsoft.com/office/drawing/2014/main" id="{246D5F09-4C09-4AED-AB11-55C8DA98B707}"/>
+              </a:ext>
+            </a:extLst>
+          </p:cNvPr>
+          <p:cNvSpPr>
+            <a:spLocks noGrp="1"/>
+          </p:cNvSpPr>
+          <p:nvPr>
+            <p:ph type="title" idx="4294967295"/>
+          </p:nvPr>
+        </p:nvSpPr>
+        <p:spPr>
+          <a:xfrm>
+            <a:off x="66675" y="257947"/>
+            <a:ext cx="12192000" cy="587375"/>
+          </a:xfrm>
+        </p:spPr>
+        <p:txBody>
+          <a:bodyPr/>
+          <a:lstStyle/>
+          <a:p>
+            <a:pPr algn="ctr"/>
+            <a:r>
+              <a:rPr lang="it-IT" dirty="0"/>
+              <a:t>Sviluppi futuri</a:t>
+            </a:r>
+          </a:p>
+        </p:txBody>
+      </p:sp>
+      <p:sp>
+        <p:nvSpPr>
+          <p:cNvPr id="4" name="Segnaposto testo 3">
+            <a:extLst>
+              <a:ext uri="{FF2B5EF4-FFF2-40B4-BE49-F238E27FC236}">
+                <a16:creationId xmlns:a16="http://schemas.microsoft.com/office/drawing/2014/main" id="{5F69114F-461F-46B6-811A-D4B9A84ACACB}"/>
+              </a:ext>
+            </a:extLst>
+          </p:cNvPr>
+          <p:cNvSpPr>
+            <a:spLocks noGrp="1"/>
+          </p:cNvSpPr>
+          <p:nvPr>
+            <p:ph idx="4294967295"/>
+          </p:nvPr>
+        </p:nvSpPr>
+        <p:spPr>
+          <a:xfrm>
+            <a:off x="154158" y="1006046"/>
+            <a:ext cx="6503817" cy="4013629"/>
+          </a:xfrm>
+        </p:spPr>
+        <p:txBody>
+          <a:bodyPr>
+            <a:normAutofit/>
+          </a:bodyPr>
+          <a:lstStyle/>
+          <a:p>
+            <a:r>
+              <a:rPr lang="it-IT" sz="2400" dirty="0"/>
+              <a:t>Nell’immediato futuro vorremmo implementare:</a:t>
+            </a:r>
+          </a:p>
+          <a:p>
+            <a:pPr lvl="1"/>
+            <a:r>
+              <a:rPr lang="it-IT" sz="2400" dirty="0"/>
+              <a:t>Una sezione filtri dove poter cercare gli annunci in base ai requisiti delle auto.  </a:t>
+            </a:r>
+          </a:p>
+          <a:p>
+            <a:pPr lvl="1"/>
+            <a:r>
+              <a:rPr lang="it-IT" sz="2400" dirty="0"/>
+              <a:t>Visualizzare gli annunci di una persona all’interno del corrispettivo profilo.</a:t>
+            </a:r>
+          </a:p>
+          <a:p>
+            <a:pPr lvl="1"/>
+            <a:r>
+              <a:rPr lang="it-IT" sz="2400" dirty="0"/>
+              <a:t>La possibilità di effettuare recensioni sui venditori</a:t>
+            </a:r>
+          </a:p>
+          <a:p>
+            <a:pPr lvl="1"/>
+            <a:endParaRPr lang="it-IT" sz="2400" dirty="0"/>
+          </a:p>
+          <a:p>
+            <a:pPr lvl="1"/>
+            <a:endParaRPr lang="it-IT" dirty="0"/>
+          </a:p>
+        </p:txBody>
+      </p:sp>
+      <p:pic>
+        <p:nvPicPr>
+          <p:cNvPr id="12" name="Immagine 11" descr="Immagine che contiene automobile&#10;&#10;Descrizione generata automaticamente">
+            <a:extLst>
+              <a:ext uri="{FF2B5EF4-FFF2-40B4-BE49-F238E27FC236}">
+                <a16:creationId xmlns:a16="http://schemas.microsoft.com/office/drawing/2014/main" id="{272EC164-7AF3-4279-B397-A8566B4DF81D}"/>
+              </a:ext>
+            </a:extLst>
+          </p:cNvPr>
+          <p:cNvPicPr>
+            <a:picLocks noChangeAspect="1"/>
+          </p:cNvPicPr>
+          <p:nvPr/>
+        </p:nvPicPr>
+        <p:blipFill>
+          <a:blip r:embed="rId2"/>
+          <a:stretch>
+            <a:fillRect/>
+          </a:stretch>
+        </p:blipFill>
+        <p:spPr>
+          <a:xfrm>
+            <a:off x="6229350" y="1212849"/>
+            <a:ext cx="5566835" cy="3340101"/>
+          </a:xfrm>
+          <a:prstGeom prst="rect">
+            <a:avLst/>
+          </a:prstGeom>
+        </p:spPr>
+      </p:pic>
+    </p:spTree>
+    <p:extLst>
+      <p:ext uri="{BB962C8B-B14F-4D97-AF65-F5344CB8AC3E}">
+        <p14:creationId xmlns:p14="http://schemas.microsoft.com/office/powerpoint/2010/main" val="2438833924"/>
+      </p:ext>
+    </p:extLst>
+  </p:cSld>
+  <p:clrMapOvr>
+    <a:masterClrMapping/>
+  </p:clrMapOvr>
+</p:sld>
+</file>
+
 <file path=ppt/slides/slide2.xml><?xml version="1.0" encoding="utf-8"?>
 <p:sld xmlns:a="http://schemas.openxmlformats.org/drawingml/2006/main" xmlns:r="http://schemas.openxmlformats.org/officeDocument/2006/relationships" xmlns:p="http://schemas.openxmlformats.org/presentationml/2006/main">
   <p:cSld>
@@ -4996,6 +5155,195 @@
 </file>
 
 <file path=ppt/slides/slide8.xml><?xml version="1.0" encoding="utf-8"?>
+<p:sld xmlns:a="http://schemas.openxmlformats.org/drawingml/2006/main" xmlns:r="http://schemas.openxmlformats.org/officeDocument/2006/relationships" xmlns:p="http://schemas.openxmlformats.org/presentationml/2006/main">
+  <p:cSld>
+    <p:spTree>
+      <p:nvGrpSpPr>
+        <p:cNvPr id="1" name=""/>
+        <p:cNvGrpSpPr/>
+        <p:nvPr/>
+      </p:nvGrpSpPr>
+      <p:grpSpPr>
+        <a:xfrm>
+          <a:off x="0" y="0"/>
+          <a:ext cx="0" cy="0"/>
+          <a:chOff x="0" y="0"/>
+          <a:chExt cx="0" cy="0"/>
+        </a:xfrm>
+      </p:grpSpPr>
+      <p:sp>
+        <p:nvSpPr>
+          <p:cNvPr id="2" name="Titolo 1">
+            <a:extLst>
+              <a:ext uri="{FF2B5EF4-FFF2-40B4-BE49-F238E27FC236}">
+                <a16:creationId xmlns:a16="http://schemas.microsoft.com/office/drawing/2014/main" id="{246D5F09-4C09-4AED-AB11-55C8DA98B707}"/>
+              </a:ext>
+            </a:extLst>
+          </p:cNvPr>
+          <p:cNvSpPr>
+            <a:spLocks noGrp="1"/>
+          </p:cNvSpPr>
+          <p:nvPr>
+            <p:ph type="title" idx="4294967295"/>
+          </p:nvPr>
+        </p:nvSpPr>
+        <p:spPr>
+          <a:xfrm>
+            <a:off x="1" y="-34264"/>
+            <a:ext cx="12192000" cy="587375"/>
+          </a:xfrm>
+        </p:spPr>
+        <p:txBody>
+          <a:bodyPr/>
+          <a:lstStyle/>
+          <a:p>
+            <a:pPr algn="ctr"/>
+            <a:r>
+              <a:rPr lang="it-IT" dirty="0"/>
+              <a:t>Pagina annuncio</a:t>
+            </a:r>
+          </a:p>
+        </p:txBody>
+      </p:sp>
+      <p:sp>
+        <p:nvSpPr>
+          <p:cNvPr id="4" name="Segnaposto testo 3">
+            <a:extLst>
+              <a:ext uri="{FF2B5EF4-FFF2-40B4-BE49-F238E27FC236}">
+                <a16:creationId xmlns:a16="http://schemas.microsoft.com/office/drawing/2014/main" id="{5F69114F-461F-46B6-811A-D4B9A84ACACB}"/>
+              </a:ext>
+            </a:extLst>
+          </p:cNvPr>
+          <p:cNvSpPr>
+            <a:spLocks noGrp="1"/>
+          </p:cNvSpPr>
+          <p:nvPr>
+            <p:ph idx="4294967295"/>
+          </p:nvPr>
+        </p:nvSpPr>
+        <p:spPr>
+          <a:xfrm>
+            <a:off x="1" y="362044"/>
+            <a:ext cx="12192000" cy="473075"/>
+          </a:xfrm>
+        </p:spPr>
+        <p:txBody>
+          <a:bodyPr>
+            <a:normAutofit/>
+          </a:bodyPr>
+          <a:lstStyle/>
+          <a:p>
+            <a:r>
+              <a:rPr lang="it-IT" dirty="0"/>
+              <a:t>La pagina relativa all’annuncio.</a:t>
+            </a:r>
+          </a:p>
+        </p:txBody>
+      </p:sp>
+      <p:pic>
+        <p:nvPicPr>
+          <p:cNvPr id="6" name="Immagine 5" descr="Immagine che contiene testo, monitor, screenshot, interni&#10;&#10;Descrizione generata automaticamente">
+            <a:extLst>
+              <a:ext uri="{FF2B5EF4-FFF2-40B4-BE49-F238E27FC236}">
+                <a16:creationId xmlns:a16="http://schemas.microsoft.com/office/drawing/2014/main" id="{C0721F17-239D-4C4D-BC05-AC67A709B46B}"/>
+              </a:ext>
+            </a:extLst>
+          </p:cNvPr>
+          <p:cNvPicPr>
+            <a:picLocks noChangeAspect="1"/>
+          </p:cNvPicPr>
+          <p:nvPr/>
+        </p:nvPicPr>
+        <p:blipFill>
+          <a:blip r:embed="rId2"/>
+          <a:stretch>
+            <a:fillRect/>
+          </a:stretch>
+        </p:blipFill>
+        <p:spPr>
+          <a:xfrm>
+            <a:off x="375360" y="835119"/>
+            <a:ext cx="5958766" cy="3386609"/>
+          </a:xfrm>
+          <a:prstGeom prst="rect">
+            <a:avLst/>
+          </a:prstGeom>
+        </p:spPr>
+      </p:pic>
+      <p:pic>
+        <p:nvPicPr>
+          <p:cNvPr id="8" name="Immagine 7">
+            <a:extLst>
+              <a:ext uri="{FF2B5EF4-FFF2-40B4-BE49-F238E27FC236}">
+                <a16:creationId xmlns:a16="http://schemas.microsoft.com/office/drawing/2014/main" id="{D77F0C4D-68D7-4666-AA83-CCBD358AF046}"/>
+              </a:ext>
+            </a:extLst>
+          </p:cNvPr>
+          <p:cNvPicPr>
+            <a:picLocks noChangeAspect="1"/>
+          </p:cNvPicPr>
+          <p:nvPr/>
+        </p:nvPicPr>
+        <p:blipFill>
+          <a:blip r:embed="rId3"/>
+          <a:stretch>
+            <a:fillRect/>
+          </a:stretch>
+        </p:blipFill>
+        <p:spPr>
+          <a:xfrm>
+            <a:off x="375360" y="4221728"/>
+            <a:ext cx="5958766" cy="1693297"/>
+          </a:xfrm>
+          <a:prstGeom prst="rect">
+            <a:avLst/>
+          </a:prstGeom>
+        </p:spPr>
+      </p:pic>
+      <p:pic>
+        <p:nvPicPr>
+          <p:cNvPr id="14" name="Immagine 13" descr="Immagine che contiene testo, screenshot, monitor, interni&#10;&#10;Descrizione generata automaticamente">
+            <a:extLst>
+              <a:ext uri="{FF2B5EF4-FFF2-40B4-BE49-F238E27FC236}">
+                <a16:creationId xmlns:a16="http://schemas.microsoft.com/office/drawing/2014/main" id="{7DA3EA0E-C628-4A02-9378-DDFF0C61E3DE}"/>
+              </a:ext>
+            </a:extLst>
+          </p:cNvPr>
+          <p:cNvPicPr>
+            <a:picLocks noChangeAspect="1"/>
+          </p:cNvPicPr>
+          <p:nvPr/>
+        </p:nvPicPr>
+        <p:blipFill>
+          <a:blip r:embed="rId4"/>
+          <a:stretch>
+            <a:fillRect/>
+          </a:stretch>
+        </p:blipFill>
+        <p:spPr>
+          <a:xfrm>
+            <a:off x="6334126" y="835119"/>
+            <a:ext cx="5495925" cy="2584296"/>
+          </a:xfrm>
+          <a:prstGeom prst="rect">
+            <a:avLst/>
+          </a:prstGeom>
+        </p:spPr>
+      </p:pic>
+    </p:spTree>
+    <p:extLst>
+      <p:ext uri="{BB962C8B-B14F-4D97-AF65-F5344CB8AC3E}">
+        <p14:creationId xmlns:p14="http://schemas.microsoft.com/office/powerpoint/2010/main" val="1853352024"/>
+      </p:ext>
+    </p:extLst>
+  </p:cSld>
+  <p:clrMapOvr>
+    <a:masterClrMapping/>
+  </p:clrMapOvr>
+</p:sld>
+</file>
+
+<file path=ppt/slides/slide9.xml><?xml version="1.0" encoding="utf-8"?>
 <p:sld xmlns:a="http://schemas.openxmlformats.org/drawingml/2006/main" xmlns:r="http://schemas.openxmlformats.org/officeDocument/2006/relationships" xmlns:p="http://schemas.openxmlformats.org/presentationml/2006/main">
   <p:cSld>
     <p:spTree>
@@ -5226,164 +5574,6 @@
     <p:extLst>
       <p:ext uri="{BB962C8B-B14F-4D97-AF65-F5344CB8AC3E}">
         <p14:creationId xmlns:p14="http://schemas.microsoft.com/office/powerpoint/2010/main" val="2423580715"/>
-      </p:ext>
-    </p:extLst>
-  </p:cSld>
-  <p:clrMapOvr>
-    <a:masterClrMapping/>
-  </p:clrMapOvr>
-</p:sld>
-</file>
-
-<file path=ppt/slides/slide9.xml><?xml version="1.0" encoding="utf-8"?>
-<p:sld xmlns:a="http://schemas.openxmlformats.org/drawingml/2006/main" xmlns:r="http://schemas.openxmlformats.org/officeDocument/2006/relationships" xmlns:p="http://schemas.openxmlformats.org/presentationml/2006/main">
-  <p:cSld>
-    <p:spTree>
-      <p:nvGrpSpPr>
-        <p:cNvPr id="1" name=""/>
-        <p:cNvGrpSpPr/>
-        <p:nvPr/>
-      </p:nvGrpSpPr>
-      <p:grpSpPr>
-        <a:xfrm>
-          <a:off x="0" y="0"/>
-          <a:ext cx="0" cy="0"/>
-          <a:chOff x="0" y="0"/>
-          <a:chExt cx="0" cy="0"/>
-        </a:xfrm>
-      </p:grpSpPr>
-      <p:sp>
-        <p:nvSpPr>
-          <p:cNvPr id="2" name="Titolo 1">
-            <a:extLst>
-              <a:ext uri="{FF2B5EF4-FFF2-40B4-BE49-F238E27FC236}">
-                <a16:creationId xmlns:a16="http://schemas.microsoft.com/office/drawing/2014/main" id="{246D5F09-4C09-4AED-AB11-55C8DA98B707}"/>
-              </a:ext>
-            </a:extLst>
-          </p:cNvPr>
-          <p:cNvSpPr>
-            <a:spLocks noGrp="1"/>
-          </p:cNvSpPr>
-          <p:nvPr>
-            <p:ph type="title" idx="4294967295"/>
-          </p:nvPr>
-        </p:nvSpPr>
-        <p:spPr>
-          <a:xfrm>
-            <a:off x="66675" y="257947"/>
-            <a:ext cx="12192000" cy="587375"/>
-          </a:xfrm>
-        </p:spPr>
-        <p:txBody>
-          <a:bodyPr/>
-          <a:lstStyle/>
-          <a:p>
-            <a:pPr algn="ctr"/>
-            <a:r>
-              <a:rPr lang="it-IT" dirty="0"/>
-              <a:t>Sviluppi futuri</a:t>
-            </a:r>
-          </a:p>
-        </p:txBody>
-      </p:sp>
-      <p:sp>
-        <p:nvSpPr>
-          <p:cNvPr id="4" name="Segnaposto testo 3">
-            <a:extLst>
-              <a:ext uri="{FF2B5EF4-FFF2-40B4-BE49-F238E27FC236}">
-                <a16:creationId xmlns:a16="http://schemas.microsoft.com/office/drawing/2014/main" id="{5F69114F-461F-46B6-811A-D4B9A84ACACB}"/>
-              </a:ext>
-            </a:extLst>
-          </p:cNvPr>
-          <p:cNvSpPr>
-            <a:spLocks noGrp="1"/>
-          </p:cNvSpPr>
-          <p:nvPr>
-            <p:ph idx="4294967295"/>
-          </p:nvPr>
-        </p:nvSpPr>
-        <p:spPr>
-          <a:xfrm>
-            <a:off x="154158" y="1006046"/>
-            <a:ext cx="6503817" cy="4013629"/>
-          </a:xfrm>
-        </p:spPr>
-        <p:txBody>
-          <a:bodyPr>
-            <a:normAutofit/>
-          </a:bodyPr>
-          <a:lstStyle/>
-          <a:p>
-            <a:r>
-              <a:rPr lang="it-IT" sz="2400" dirty="0"/>
-              <a:t>Nell’immediato futuro vorremmo implementare:</a:t>
-            </a:r>
-          </a:p>
-          <a:p>
-            <a:pPr lvl="1"/>
-            <a:r>
-              <a:rPr lang="it-IT" sz="2400" dirty="0"/>
-              <a:t>Una sezione filtri dove poter cercare gli annunci in base ai requisiti delle auto.  </a:t>
-            </a:r>
-          </a:p>
-          <a:p>
-            <a:pPr lvl="1"/>
-            <a:r>
-              <a:rPr lang="it-IT" sz="2400" dirty="0"/>
-              <a:t>Visualizzare gli annunci di una persona all’interno del corrispettivo profilo.</a:t>
-            </a:r>
-          </a:p>
-          <a:p>
-            <a:pPr lvl="1"/>
-            <a:r>
-              <a:rPr lang="it-IT" sz="2400" dirty="0"/>
-              <a:t>La possibilità di effettuare recensioni sui venditori</a:t>
-            </a:r>
-          </a:p>
-          <a:p>
-            <a:pPr lvl="1"/>
-            <a:endParaRPr lang="it-IT" sz="2400" dirty="0"/>
-          </a:p>
-          <a:p>
-            <a:pPr lvl="1"/>
-            <a:endParaRPr lang="it-IT" dirty="0"/>
-          </a:p>
-        </p:txBody>
-      </p:sp>
-      <p:pic>
-        <p:nvPicPr>
-          <p:cNvPr id="12" name="Immagine 11" descr="Immagine che contiene automobile&#10;&#10;Descrizione generata automaticamente">
-            <a:extLst>
-              <a:ext uri="{FF2B5EF4-FFF2-40B4-BE49-F238E27FC236}">
-                <a16:creationId xmlns:a16="http://schemas.microsoft.com/office/drawing/2014/main" id="{272EC164-7AF3-4279-B397-A8566B4DF81D}"/>
-              </a:ext>
-            </a:extLst>
-          </p:cNvPr>
-          <p:cNvPicPr>
-            <a:picLocks noChangeAspect="1"/>
-          </p:cNvPicPr>
-          <p:nvPr/>
-        </p:nvPicPr>
-        <p:blipFill>
-          <a:blip r:embed="rId2"/>
-          <a:stretch>
-            <a:fillRect/>
-          </a:stretch>
-        </p:blipFill>
-        <p:spPr>
-          <a:xfrm>
-            <a:off x="6229350" y="1212849"/>
-            <a:ext cx="5566835" cy="3340101"/>
-          </a:xfrm>
-          <a:prstGeom prst="rect">
-            <a:avLst/>
-          </a:prstGeom>
-        </p:spPr>
-      </p:pic>
-    </p:spTree>
-    <p:extLst>
-      <p:ext uri="{BB962C8B-B14F-4D97-AF65-F5344CB8AC3E}">
-        <p14:creationId xmlns:p14="http://schemas.microsoft.com/office/powerpoint/2010/main" val="2438833924"/>
       </p:ext>
     </p:extLst>
   </p:cSld>
